--- a/PPT/01_课程介绍.pptx
+++ b/PPT/01_课程介绍.pptx
@@ -330,7 +330,7 @@
               <a:pPr>
                 <a:defRPr/>
               </a:pPr>
-              <a:t>2017/8/8</a:t>
+              <a:t>2017/8/9</a:t>
             </a:fld>
             <a:endParaRPr lang="zh-CN" altLang="en-US" sz="1200"/>
           </a:p>
@@ -3393,7 +3393,7 @@
         <p:spPr bwMode="auto">
           <a:xfrm>
             <a:off x="4473575" y="2787650"/>
-            <a:ext cx="4202113" cy="336550"/>
+            <a:ext cx="4202113" cy="336695"/>
           </a:xfrm>
           <a:prstGeom prst="rect">
             <a:avLst/>
@@ -3549,20 +3549,12 @@
               </a:lnSpc>
             </a:pPr>
             <a:r>
-              <a:rPr lang="zh-CN" altLang="en-US" sz="1200">
-                <a:solidFill>
-                  <a:srgbClr val="7F7F7F"/>
-                </a:solidFill>
-                <a:latin typeface="微软雅黑" panose="020B0503020204020204" pitchFamily="34" charset="-122"/>
-                <a:ea typeface="微软雅黑" panose="020B0503020204020204" pitchFamily="34" charset="-122"/>
-                <a:sym typeface="微软雅黑" panose="020B0503020204020204" pitchFamily="34" charset="-122"/>
-              </a:rPr>
-              <a:t>讲师的</a:t>
-            </a:r>
-            <a:r>
-              <a:rPr lang="en-US" altLang="zh-CN" sz="1200">
-                <a:solidFill>
-                  <a:srgbClr val="7F7F7F"/>
+              <a:rPr lang="en-US" altLang="zh-CN" sz="1200" dirty="0">
+                <a:solidFill>
+                  <a:schemeClr val="tx1">
+                    <a:lumMod val="65000"/>
+                    <a:lumOff val="35000"/>
+                  </a:schemeClr>
                 </a:solidFill>
                 <a:latin typeface="微软雅黑" panose="020B0503020204020204" pitchFamily="34" charset="-122"/>
                 <a:ea typeface="微软雅黑" panose="020B0503020204020204" pitchFamily="34" charset="-122"/>
@@ -3571,9 +3563,12 @@
               <a:t>CSDN</a:t>
             </a:r>
             <a:r>
-              <a:rPr lang="zh-CN" altLang="en-US" sz="1200">
-                <a:solidFill>
-                  <a:srgbClr val="7F7F7F"/>
+              <a:rPr lang="zh-CN" altLang="en-US" sz="1200" dirty="0">
+                <a:solidFill>
+                  <a:schemeClr val="tx1">
+                    <a:lumMod val="65000"/>
+                    <a:lumOff val="35000"/>
+                  </a:schemeClr>
                 </a:solidFill>
                 <a:latin typeface="微软雅黑" panose="020B0503020204020204" pitchFamily="34" charset="-122"/>
                 <a:ea typeface="微软雅黑" panose="020B0503020204020204" pitchFamily="34" charset="-122"/>
@@ -3581,14 +3576,20 @@
               </a:rPr>
               <a:t>博客地址</a:t>
             </a:r>
-            <a:endParaRPr lang="en-US" altLang="zh-CN" sz="1200">
-              <a:solidFill>
-                <a:srgbClr val="7F7F7F"/>
-              </a:solidFill>
-              <a:latin typeface="微软雅黑" panose="020B0503020204020204" pitchFamily="34" charset="-122"/>
-              <a:ea typeface="微软雅黑" panose="020B0503020204020204" pitchFamily="34" charset="-122"/>
-              <a:sym typeface="微软雅黑" panose="020B0503020204020204" pitchFamily="34" charset="-122"/>
-            </a:endParaRPr>
+            <a:r>
+              <a:rPr lang="en-US" altLang="zh-CN" sz="1200" dirty="0">
+                <a:solidFill>
+                  <a:schemeClr val="tx1">
+                    <a:lumMod val="65000"/>
+                    <a:lumOff val="35000"/>
+                  </a:schemeClr>
+                </a:solidFill>
+                <a:latin typeface="微软雅黑" panose="020B0503020204020204" pitchFamily="34" charset="-122"/>
+                <a:ea typeface="微软雅黑" panose="020B0503020204020204" pitchFamily="34" charset="-122"/>
+                <a:sym typeface="微软雅黑" panose="020B0503020204020204" pitchFamily="34" charset="-122"/>
+              </a:rPr>
+              <a:t>:</a:t>
+            </a:r>
           </a:p>
         </p:txBody>
       </p:sp>
@@ -3779,8 +3780,8 @@
         </p:nvSpPr>
         <p:spPr bwMode="auto">
           <a:xfrm>
-            <a:off x="4827588" y="2097088"/>
-            <a:ext cx="2470150" cy="738187"/>
+            <a:off x="4828318" y="2097088"/>
+            <a:ext cx="2468689" cy="700576"/>
           </a:xfrm>
           <a:prstGeom prst="rect">
             <a:avLst/>
@@ -3930,13 +3931,13 @@
             </a:lvl9pPr>
           </a:lstStyle>
           <a:p>
-            <a:pPr eaLnBrk="1" hangingPunct="1">
+            <a:pPr algn="ctr" eaLnBrk="1" hangingPunct="1">
               <a:lnSpc>
                 <a:spcPct val="150000"/>
               </a:lnSpc>
             </a:pPr>
             <a:r>
-              <a:rPr lang="zh-CN" altLang="en-US" sz="1400">
+              <a:rPr lang="zh-CN" altLang="en-US" sz="1400" dirty="0">
                 <a:solidFill>
                   <a:schemeClr val="bg1"/>
                 </a:solidFill>
@@ -3946,7 +3947,7 @@
               </a:rPr>
               <a:t>张  赐</a:t>
             </a:r>
-            <a:endParaRPr lang="en-US" altLang="zh-CN" sz="1400">
+            <a:endParaRPr lang="en-US" altLang="zh-CN" sz="1400" dirty="0">
               <a:solidFill>
                 <a:schemeClr val="bg1"/>
               </a:solidFill>
@@ -3962,7 +3963,7 @@
               </a:lnSpc>
             </a:pPr>
             <a:r>
-              <a:rPr lang="en-US" altLang="zh-CN" sz="1400">
+              <a:rPr lang="en-US" altLang="zh-CN" sz="1400" dirty="0">
                 <a:solidFill>
                   <a:schemeClr val="bg1"/>
                 </a:solidFill>
@@ -3991,7 +3992,7 @@
         </p:nvSpPr>
         <p:spPr bwMode="auto">
           <a:xfrm>
-            <a:off x="4500563" y="3230563"/>
+            <a:off x="4473575" y="3124200"/>
             <a:ext cx="2735262" cy="276225"/>
           </a:xfrm>
           <a:prstGeom prst="rect">
@@ -4144,9 +4145,12 @@
           <a:p>
             <a:pPr eaLnBrk="1" hangingPunct="1"/>
             <a:r>
-              <a:rPr lang="en-US" altLang="zh-CN" sz="1200">
-                <a:solidFill>
-                  <a:srgbClr val="A5A5A5"/>
+              <a:rPr lang="en-US" altLang="zh-CN" sz="1200" dirty="0">
+                <a:solidFill>
+                  <a:schemeClr val="tx1">
+                    <a:lumMod val="65000"/>
+                    <a:lumOff val="35000"/>
+                  </a:schemeClr>
                 </a:solidFill>
                 <a:latin typeface="微软雅黑" panose="020B0503020204020204" pitchFamily="34" charset="-122"/>
                 <a:ea typeface="微软雅黑" panose="020B0503020204020204" pitchFamily="34" charset="-122"/>
@@ -4154,9 +4158,12 @@
               </a:rPr>
               <a:t>http://blog.csdn.net/zhangci226</a:t>
             </a:r>
-            <a:endParaRPr lang="zh-CN" altLang="en-US" sz="1200">
+            <a:endParaRPr lang="zh-CN" altLang="en-US" sz="1200" dirty="0">
               <a:solidFill>
-                <a:srgbClr val="A5A5A5"/>
+                <a:schemeClr val="tx1">
+                  <a:lumMod val="65000"/>
+                  <a:lumOff val="35000"/>
+                </a:schemeClr>
               </a:solidFill>
               <a:latin typeface="微软雅黑" panose="020B0503020204020204" pitchFamily="34" charset="-122"/>
               <a:ea typeface="微软雅黑" panose="020B0503020204020204" pitchFamily="34" charset="-122"/>

--- a/PPT/01_课程介绍.pptx
+++ b/PPT/01_课程介绍.pptx
@@ -5,7 +5,7 @@
     <p:sldMasterId id="2147483648" r:id="rId1"/>
   </p:sldMasterIdLst>
   <p:notesMasterIdLst>
-    <p:notesMasterId r:id="rId9"/>
+    <p:notesMasterId r:id="rId10"/>
   </p:notesMasterIdLst>
   <p:sldIdLst>
     <p:sldId id="256" r:id="rId2"/>
@@ -14,7 +14,8 @@
     <p:sldId id="261" r:id="rId5"/>
     <p:sldId id="262" r:id="rId6"/>
     <p:sldId id="263" r:id="rId7"/>
-    <p:sldId id="259" r:id="rId8"/>
+    <p:sldId id="264" r:id="rId8"/>
+    <p:sldId id="259" r:id="rId9"/>
   </p:sldIdLst>
   <p:sldSz cx="9144000" cy="5143500" type="screen16x9"/>
   <p:notesSz cx="6858000" cy="9144000"/>
@@ -6939,6 +6940,651 @@
 </file>
 
 <file path=ppt/slides/slide7.xml><?xml version="1.0" encoding="utf-8"?>
+<p:sld xmlns:a="http://schemas.openxmlformats.org/drawingml/2006/main" xmlns:r="http://schemas.openxmlformats.org/officeDocument/2006/relationships" xmlns:p="http://schemas.openxmlformats.org/presentationml/2006/main">
+  <p:cSld>
+    <p:spTree>
+      <p:nvGrpSpPr>
+        <p:cNvPr id="1" name=""/>
+        <p:cNvGrpSpPr/>
+        <p:nvPr/>
+      </p:nvGrpSpPr>
+      <p:grpSpPr>
+        <a:xfrm>
+          <a:off x="0" y="0"/>
+          <a:ext cx="0" cy="0"/>
+          <a:chOff x="0" y="0"/>
+          <a:chExt cx="0" cy="0"/>
+        </a:xfrm>
+      </p:grpSpPr>
+      <p:pic>
+        <p:nvPicPr>
+          <p:cNvPr id="7170" name="Picture 2">
+            <a:extLst>
+              <a:ext uri="{FF2B5EF4-FFF2-40B4-BE49-F238E27FC236}">
+                <a16:creationId xmlns:a16="http://schemas.microsoft.com/office/drawing/2014/main" id="{393A4E1C-4E15-41CF-8EF0-D8D70E78B3C1}"/>
+              </a:ext>
+            </a:extLst>
+          </p:cNvPr>
+          <p:cNvPicPr>
+            <a:picLocks noChangeAspect="1" noChangeArrowheads="1"/>
+          </p:cNvPicPr>
+          <p:nvPr/>
+        </p:nvPicPr>
+        <p:blipFill>
+          <a:blip r:embed="rId2">
+            <a:extLst>
+              <a:ext uri="{28A0092B-C50C-407E-A947-70E740481C1C}">
+                <a14:useLocalDpi xmlns:a14="http://schemas.microsoft.com/office/drawing/2010/main" val="0"/>
+              </a:ext>
+            </a:extLst>
+          </a:blip>
+          <a:srcRect/>
+          <a:stretch>
+            <a:fillRect/>
+          </a:stretch>
+        </p:blipFill>
+        <p:spPr bwMode="auto">
+          <a:xfrm>
+            <a:off x="7956550" y="4606925"/>
+            <a:ext cx="1081088" cy="450850"/>
+          </a:xfrm>
+          <a:prstGeom prst="rect">
+            <a:avLst/>
+          </a:prstGeom>
+          <a:noFill/>
+          <a:ln>
+            <a:noFill/>
+          </a:ln>
+          <a:effectLst/>
+          <a:extLst>
+            <a:ext uri="{909E8E84-426E-40DD-AFC4-6F175D3DCCD1}">
+              <a14:hiddenFill xmlns:a14="http://schemas.microsoft.com/office/drawing/2010/main">
+                <a:solidFill>
+                  <a:srgbClr val="FFFFFF"/>
+                </a:solidFill>
+              </a14:hiddenFill>
+            </a:ext>
+            <a:ext uri="{91240B29-F687-4F45-9708-019B960494DF}">
+              <a14:hiddenLine xmlns:a14="http://schemas.microsoft.com/office/drawing/2010/main" w="9525">
+                <a:solidFill>
+                  <a:srgbClr val="000000"/>
+                </a:solidFill>
+                <a:miter lim="800000"/>
+                <a:headEnd/>
+                <a:tailEnd/>
+              </a14:hiddenLine>
+            </a:ext>
+            <a:ext uri="{AF507438-7753-43E0-B8FC-AC1667EBCBE1}">
+              <a14:hiddenEffects xmlns:a14="http://schemas.microsoft.com/office/drawing/2010/main">
+                <a:effectLst>
+                  <a:outerShdw dist="35921" dir="2700000" algn="ctr" rotWithShape="0">
+                    <a:srgbClr val="808080"/>
+                  </a:outerShdw>
+                </a:effectLst>
+              </a14:hiddenEffects>
+            </a:ext>
+          </a:extLst>
+        </p:spPr>
+      </p:pic>
+      <p:sp>
+        <p:nvSpPr>
+          <p:cNvPr id="7171" name="Title 1">
+            <a:extLst>
+              <a:ext uri="{FF2B5EF4-FFF2-40B4-BE49-F238E27FC236}">
+                <a16:creationId xmlns:a16="http://schemas.microsoft.com/office/drawing/2014/main" id="{A11906FD-7D47-4263-970B-C49FD64165D5}"/>
+              </a:ext>
+            </a:extLst>
+          </p:cNvPr>
+          <p:cNvSpPr>
+            <a:spLocks noGrp="1" noChangeArrowheads="1"/>
+          </p:cNvSpPr>
+          <p:nvPr>
+            <p:ph type="title"/>
+          </p:nvPr>
+        </p:nvSpPr>
+        <p:spPr bwMode="auto">
+          <a:xfrm>
+            <a:off x="457200" y="123825"/>
+            <a:ext cx="8229600" cy="711200"/>
+          </a:xfrm>
+          <a:noFill/>
+          <a:extLst>
+            <a:ext uri="{909E8E84-426E-40DD-AFC4-6F175D3DCCD1}">
+              <a14:hiddenFill xmlns:a14="http://schemas.microsoft.com/office/drawing/2010/main">
+                <a:solidFill>
+                  <a:srgbClr val="FFFFFF"/>
+                </a:solidFill>
+              </a14:hiddenFill>
+            </a:ext>
+            <a:ext uri="{91240B29-F687-4F45-9708-019B960494DF}">
+              <a14:hiddenLine xmlns:a14="http://schemas.microsoft.com/office/drawing/2010/main" w="9525">
+                <a:solidFill>
+                  <a:srgbClr val="000000"/>
+                </a:solidFill>
+                <a:miter lim="800000"/>
+                <a:headEnd/>
+                <a:tailEnd/>
+              </a14:hiddenLine>
+            </a:ext>
+          </a:extLst>
+        </p:spPr>
+        <p:txBody>
+          <a:bodyPr vert="horz" wrap="square" lIns="91440" tIns="45720" rIns="91440" bIns="45720" numCol="1" anchor="t" anchorCtr="0" compatLnSpc="1">
+            <a:prstTxWarp prst="textNoShape">
+              <a:avLst/>
+            </a:prstTxWarp>
+          </a:bodyPr>
+          <a:lstStyle/>
+          <a:p>
+            <a:pPr algn="l" eaLnBrk="1" hangingPunct="1"/>
+            <a:r>
+              <a:rPr lang="zh-CN" altLang="en-US" dirty="0">
+                <a:solidFill>
+                  <a:srgbClr val="C00000"/>
+                </a:solidFill>
+                <a:latin typeface="微软雅黑 Light" panose="020B0502040204020203" pitchFamily="34" charset="-122"/>
+                <a:ea typeface="微软雅黑 Light" panose="020B0502040204020203" pitchFamily="34" charset="-122"/>
+              </a:rPr>
+              <a:t>其他</a:t>
+            </a:r>
+            <a:endParaRPr lang="en-US" altLang="zh-CN" dirty="0">
+              <a:solidFill>
+                <a:srgbClr val="C00000"/>
+              </a:solidFill>
+              <a:latin typeface="微软雅黑 Light" panose="020B0502040204020203" pitchFamily="34" charset="-122"/>
+              <a:ea typeface="微软雅黑 Light" panose="020B0502040204020203" pitchFamily="34" charset="-122"/>
+            </a:endParaRPr>
+          </a:p>
+        </p:txBody>
+      </p:sp>
+      <p:sp>
+        <p:nvSpPr>
+          <p:cNvPr id="4" name="Content Placeholder 3">
+            <a:extLst>
+              <a:ext uri="{FF2B5EF4-FFF2-40B4-BE49-F238E27FC236}">
+                <a16:creationId xmlns:a16="http://schemas.microsoft.com/office/drawing/2014/main" id="{368B2D2E-6A5C-4FE0-91BB-6CC0CC9AEF62}"/>
+              </a:ext>
+            </a:extLst>
+          </p:cNvPr>
+          <p:cNvSpPr txBox="1">
+            <a:spLocks/>
+          </p:cNvSpPr>
+          <p:nvPr/>
+        </p:nvSpPr>
+        <p:spPr>
+          <a:xfrm>
+            <a:off x="457200" y="1131888"/>
+            <a:ext cx="8229600" cy="3925887"/>
+          </a:xfrm>
+          <a:prstGeom prst="rect">
+            <a:avLst/>
+          </a:prstGeom>
+        </p:spPr>
+        <p:txBody>
+          <a:bodyPr/>
+          <a:lstStyle>
+            <a:lvl1pPr marL="342900" indent="-342900" algn="l" rtl="0" fontAlgn="base">
+              <a:spcBef>
+                <a:spcPct val="20000"/>
+              </a:spcBef>
+              <a:spcAft>
+                <a:spcPct val="0"/>
+              </a:spcAft>
+              <a:buFont typeface="Arial" panose="020B0604020202020204" pitchFamily="34" charset="0"/>
+              <a:buChar char="•"/>
+              <a:defRPr sz="3200" kern="1200">
+                <a:solidFill>
+                  <a:schemeClr val="tx1"/>
+                </a:solidFill>
+                <a:latin typeface="+mn-lt"/>
+                <a:ea typeface="+mn-ea"/>
+                <a:cs typeface="+mn-cs"/>
+                <a:sym typeface="Calibri" panose="020F0502020204030204" pitchFamily="34" charset="0"/>
+              </a:defRPr>
+            </a:lvl1pPr>
+            <a:lvl2pPr marL="742950" indent="-285750" algn="l" rtl="0" fontAlgn="base">
+              <a:spcBef>
+                <a:spcPct val="20000"/>
+              </a:spcBef>
+              <a:spcAft>
+                <a:spcPct val="0"/>
+              </a:spcAft>
+              <a:buFont typeface="Arial" panose="020B0604020202020204" pitchFamily="34" charset="0"/>
+              <a:buChar char="–"/>
+              <a:defRPr sz="2800" kern="1200">
+                <a:solidFill>
+                  <a:schemeClr val="tx1"/>
+                </a:solidFill>
+                <a:latin typeface="+mn-lt"/>
+                <a:ea typeface="+mn-ea"/>
+                <a:cs typeface="+mn-cs"/>
+                <a:sym typeface="Calibri" panose="020F0502020204030204" pitchFamily="34" charset="0"/>
+              </a:defRPr>
+            </a:lvl2pPr>
+            <a:lvl3pPr marL="1143000" indent="-228600" algn="l" rtl="0" fontAlgn="base">
+              <a:spcBef>
+                <a:spcPct val="20000"/>
+              </a:spcBef>
+              <a:spcAft>
+                <a:spcPct val="0"/>
+              </a:spcAft>
+              <a:buFont typeface="Arial" panose="020B0604020202020204" pitchFamily="34" charset="0"/>
+              <a:buChar char="•"/>
+              <a:defRPr sz="2400" kern="1200">
+                <a:solidFill>
+                  <a:schemeClr val="tx1"/>
+                </a:solidFill>
+                <a:latin typeface="+mn-lt"/>
+                <a:ea typeface="+mn-ea"/>
+                <a:cs typeface="+mn-cs"/>
+                <a:sym typeface="Calibri" panose="020F0502020204030204" pitchFamily="34" charset="0"/>
+              </a:defRPr>
+            </a:lvl3pPr>
+            <a:lvl4pPr marL="1600200" indent="-228600" algn="l" rtl="0" fontAlgn="base">
+              <a:spcBef>
+                <a:spcPct val="20000"/>
+              </a:spcBef>
+              <a:spcAft>
+                <a:spcPct val="0"/>
+              </a:spcAft>
+              <a:buFont typeface="Arial" panose="020B0604020202020204" pitchFamily="34" charset="0"/>
+              <a:buChar char="–"/>
+              <a:defRPr sz="2000" kern="1200">
+                <a:solidFill>
+                  <a:schemeClr val="tx1"/>
+                </a:solidFill>
+                <a:latin typeface="+mn-lt"/>
+                <a:ea typeface="+mn-ea"/>
+                <a:cs typeface="+mn-cs"/>
+                <a:sym typeface="Calibri" panose="020F0502020204030204" pitchFamily="34" charset="0"/>
+              </a:defRPr>
+            </a:lvl4pPr>
+            <a:lvl5pPr marL="2057400" indent="-228600" algn="l" rtl="0" fontAlgn="base">
+              <a:spcBef>
+                <a:spcPct val="20000"/>
+              </a:spcBef>
+              <a:spcAft>
+                <a:spcPct val="0"/>
+              </a:spcAft>
+              <a:buFont typeface="Arial" panose="020B0604020202020204" pitchFamily="34" charset="0"/>
+              <a:buChar char="»"/>
+              <a:defRPr sz="2000" kern="1200">
+                <a:solidFill>
+                  <a:schemeClr val="tx1"/>
+                </a:solidFill>
+                <a:latin typeface="+mn-lt"/>
+                <a:ea typeface="+mn-ea"/>
+                <a:cs typeface="+mn-cs"/>
+                <a:sym typeface="Calibri" panose="020F0502020204030204" pitchFamily="34" charset="0"/>
+              </a:defRPr>
+            </a:lvl5pPr>
+            <a:lvl6pPr marL="2514600" indent="-228600" algn="l" defTabSz="914400" rtl="0" eaLnBrk="1" latinLnBrk="0" hangingPunct="1">
+              <a:lnSpc>
+                <a:spcPct val="90000"/>
+              </a:lnSpc>
+              <a:spcBef>
+                <a:spcPts val="500"/>
+              </a:spcBef>
+              <a:buFont typeface="Arial" panose="020B0604020202020204" pitchFamily="34" charset="0"/>
+              <a:buChar char="•"/>
+              <a:defRPr sz="1800" kern="1200">
+                <a:solidFill>
+                  <a:schemeClr val="tx1"/>
+                </a:solidFill>
+                <a:latin typeface="+mn-lt"/>
+                <a:ea typeface="+mn-ea"/>
+                <a:cs typeface="+mn-cs"/>
+              </a:defRPr>
+            </a:lvl6pPr>
+            <a:lvl7pPr marL="2971800" indent="-228600" algn="l" defTabSz="914400" rtl="0" eaLnBrk="1" latinLnBrk="0" hangingPunct="1">
+              <a:lnSpc>
+                <a:spcPct val="90000"/>
+              </a:lnSpc>
+              <a:spcBef>
+                <a:spcPts val="500"/>
+              </a:spcBef>
+              <a:buFont typeface="Arial" panose="020B0604020202020204" pitchFamily="34" charset="0"/>
+              <a:buChar char="•"/>
+              <a:defRPr sz="1800" kern="1200">
+                <a:solidFill>
+                  <a:schemeClr val="tx1"/>
+                </a:solidFill>
+                <a:latin typeface="+mn-lt"/>
+                <a:ea typeface="+mn-ea"/>
+                <a:cs typeface="+mn-cs"/>
+              </a:defRPr>
+            </a:lvl7pPr>
+            <a:lvl8pPr marL="3429000" indent="-228600" algn="l" defTabSz="914400" rtl="0" eaLnBrk="1" latinLnBrk="0" hangingPunct="1">
+              <a:lnSpc>
+                <a:spcPct val="90000"/>
+              </a:lnSpc>
+              <a:spcBef>
+                <a:spcPts val="500"/>
+              </a:spcBef>
+              <a:buFont typeface="Arial" panose="020B0604020202020204" pitchFamily="34" charset="0"/>
+              <a:buChar char="•"/>
+              <a:defRPr sz="1800" kern="1200">
+                <a:solidFill>
+                  <a:schemeClr val="tx1"/>
+                </a:solidFill>
+                <a:latin typeface="+mn-lt"/>
+                <a:ea typeface="+mn-ea"/>
+                <a:cs typeface="+mn-cs"/>
+              </a:defRPr>
+            </a:lvl8pPr>
+            <a:lvl9pPr marL="3886200" indent="-228600" algn="l" defTabSz="914400" rtl="0" eaLnBrk="1" latinLnBrk="0" hangingPunct="1">
+              <a:lnSpc>
+                <a:spcPct val="90000"/>
+              </a:lnSpc>
+              <a:spcBef>
+                <a:spcPts val="500"/>
+              </a:spcBef>
+              <a:buFont typeface="Arial" panose="020B0604020202020204" pitchFamily="34" charset="0"/>
+              <a:buChar char="•"/>
+              <a:defRPr sz="1800" kern="1200">
+                <a:solidFill>
+                  <a:schemeClr val="tx1"/>
+                </a:solidFill>
+                <a:latin typeface="+mn-lt"/>
+                <a:ea typeface="+mn-ea"/>
+                <a:cs typeface="+mn-cs"/>
+              </a:defRPr>
+            </a:lvl9pPr>
+          </a:lstStyle>
+          <a:p>
+            <a:pPr eaLnBrk="1" hangingPunct="1">
+              <a:lnSpc>
+                <a:spcPct val="150000"/>
+              </a:lnSpc>
+              <a:defRPr/>
+            </a:pPr>
+            <a:r>
+              <a:rPr lang="zh-CN" altLang="en-US" sz="1800" dirty="0">
+                <a:solidFill>
+                  <a:schemeClr val="tx1">
+                    <a:lumMod val="65000"/>
+                    <a:lumOff val="35000"/>
+                  </a:schemeClr>
+                </a:solidFill>
+                <a:latin typeface="微软雅黑 Light" panose="020B0502040204020203" pitchFamily="34" charset="-122"/>
+                <a:ea typeface="微软雅黑 Light" panose="020B0502040204020203" pitchFamily="34" charset="-122"/>
+              </a:rPr>
+              <a:t>仓库地址</a:t>
+            </a:r>
+            <a:endParaRPr lang="en-US" altLang="zh-CN" sz="1800" dirty="0">
+              <a:solidFill>
+                <a:schemeClr val="tx1">
+                  <a:lumMod val="65000"/>
+                  <a:lumOff val="35000"/>
+                </a:schemeClr>
+              </a:solidFill>
+              <a:latin typeface="微软雅黑 Light" panose="020B0502040204020203" pitchFamily="34" charset="-122"/>
+              <a:ea typeface="微软雅黑 Light" panose="020B0502040204020203" pitchFamily="34" charset="-122"/>
+            </a:endParaRPr>
+          </a:p>
+          <a:p>
+            <a:pPr eaLnBrk="1" hangingPunct="1">
+              <a:lnSpc>
+                <a:spcPct val="150000"/>
+              </a:lnSpc>
+              <a:defRPr/>
+            </a:pPr>
+            <a:r>
+              <a:rPr lang="en-US" altLang="zh-CN" sz="1800" dirty="0">
+                <a:solidFill>
+                  <a:schemeClr val="tx1">
+                    <a:lumMod val="65000"/>
+                    <a:lumOff val="35000"/>
+                  </a:schemeClr>
+                </a:solidFill>
+                <a:latin typeface="微软雅黑 Light" panose="020B0502040204020203" pitchFamily="34" charset="-122"/>
+                <a:ea typeface="微软雅黑 Light" panose="020B0502040204020203" pitchFamily="34" charset="-122"/>
+                <a:hlinkClick r:id="rId3"/>
+              </a:rPr>
+              <a:t>https://github.com/EDUCourseSeries/ComputerGraphicsBasics.git</a:t>
+            </a:r>
+            <a:endParaRPr lang="en-US" altLang="zh-CN" sz="1800" dirty="0">
+              <a:solidFill>
+                <a:schemeClr val="tx1">
+                  <a:lumMod val="65000"/>
+                  <a:lumOff val="35000"/>
+                </a:schemeClr>
+              </a:solidFill>
+              <a:latin typeface="微软雅黑 Light" panose="020B0502040204020203" pitchFamily="34" charset="-122"/>
+              <a:ea typeface="微软雅黑 Light" panose="020B0502040204020203" pitchFamily="34" charset="-122"/>
+            </a:endParaRPr>
+          </a:p>
+          <a:p>
+            <a:pPr eaLnBrk="1" hangingPunct="1">
+              <a:lnSpc>
+                <a:spcPct val="150000"/>
+              </a:lnSpc>
+              <a:defRPr/>
+            </a:pPr>
+            <a:r>
+              <a:rPr lang="en-US" altLang="zh-CN" sz="1800" dirty="0">
+                <a:solidFill>
+                  <a:schemeClr val="tx1">
+                    <a:lumMod val="65000"/>
+                    <a:lumOff val="35000"/>
+                  </a:schemeClr>
+                </a:solidFill>
+                <a:latin typeface="微软雅黑 Light" panose="020B0502040204020203" pitchFamily="34" charset="-122"/>
+                <a:ea typeface="微软雅黑 Light" panose="020B0502040204020203" pitchFamily="34" charset="-122"/>
+              </a:rPr>
+              <a:t>Email</a:t>
+            </a:r>
+            <a:r>
+              <a:rPr lang="zh-CN" altLang="en-US" sz="1800" dirty="0">
+                <a:solidFill>
+                  <a:schemeClr val="tx1">
+                    <a:lumMod val="65000"/>
+                    <a:lumOff val="35000"/>
+                  </a:schemeClr>
+                </a:solidFill>
+                <a:latin typeface="微软雅黑 Light" panose="020B0502040204020203" pitchFamily="34" charset="-122"/>
+                <a:ea typeface="微软雅黑 Light" panose="020B0502040204020203" pitchFamily="34" charset="-122"/>
+              </a:rPr>
+              <a:t>：</a:t>
+            </a:r>
+            <a:endParaRPr lang="en-US" altLang="zh-CN" sz="1800" dirty="0">
+              <a:solidFill>
+                <a:schemeClr val="tx1">
+                  <a:lumMod val="65000"/>
+                  <a:lumOff val="35000"/>
+                </a:schemeClr>
+              </a:solidFill>
+              <a:latin typeface="微软雅黑 Light" panose="020B0502040204020203" pitchFamily="34" charset="-122"/>
+              <a:ea typeface="微软雅黑 Light" panose="020B0502040204020203" pitchFamily="34" charset="-122"/>
+            </a:endParaRPr>
+          </a:p>
+          <a:p>
+            <a:pPr eaLnBrk="1" hangingPunct="1">
+              <a:lnSpc>
+                <a:spcPct val="150000"/>
+              </a:lnSpc>
+              <a:defRPr/>
+            </a:pPr>
+            <a:r>
+              <a:rPr lang="en-US" altLang="zh-CN" sz="1800" dirty="0">
+                <a:solidFill>
+                  <a:schemeClr val="tx1">
+                    <a:lumMod val="65000"/>
+                    <a:lumOff val="35000"/>
+                  </a:schemeClr>
+                </a:solidFill>
+                <a:latin typeface="微软雅黑 Light" panose="020B0502040204020203" pitchFamily="34" charset="-122"/>
+                <a:ea typeface="微软雅黑 Light" panose="020B0502040204020203" pitchFamily="34" charset="-122"/>
+                <a:hlinkClick r:id="rId4"/>
+              </a:rPr>
+              <a:t>educourse@163.com</a:t>
+            </a:r>
+            <a:endParaRPr lang="en-US" altLang="zh-CN" sz="1800" dirty="0">
+              <a:solidFill>
+                <a:schemeClr val="tx1">
+                  <a:lumMod val="65000"/>
+                  <a:lumOff val="35000"/>
+                </a:schemeClr>
+              </a:solidFill>
+              <a:latin typeface="微软雅黑 Light" panose="020B0502040204020203" pitchFamily="34" charset="-122"/>
+              <a:ea typeface="微软雅黑 Light" panose="020B0502040204020203" pitchFamily="34" charset="-122"/>
+            </a:endParaRPr>
+          </a:p>
+          <a:p>
+            <a:pPr eaLnBrk="1" hangingPunct="1">
+              <a:lnSpc>
+                <a:spcPct val="150000"/>
+              </a:lnSpc>
+              <a:defRPr/>
+            </a:pPr>
+            <a:r>
+              <a:rPr lang="zh-CN" altLang="en-US" sz="1800" dirty="0">
+                <a:solidFill>
+                  <a:schemeClr val="tx1">
+                    <a:lumMod val="65000"/>
+                    <a:lumOff val="35000"/>
+                  </a:schemeClr>
+                </a:solidFill>
+                <a:latin typeface="微软雅黑 Light" panose="020B0502040204020203" pitchFamily="34" charset="-122"/>
+                <a:ea typeface="微软雅黑 Light" panose="020B0502040204020203" pitchFamily="34" charset="-122"/>
+              </a:rPr>
+              <a:t>交流</a:t>
+            </a:r>
+            <a:r>
+              <a:rPr lang="en-US" altLang="zh-CN" sz="1800" dirty="0">
+                <a:solidFill>
+                  <a:schemeClr val="tx1">
+                    <a:lumMod val="65000"/>
+                    <a:lumOff val="35000"/>
+                  </a:schemeClr>
+                </a:solidFill>
+                <a:latin typeface="微软雅黑 Light" panose="020B0502040204020203" pitchFamily="34" charset="-122"/>
+                <a:ea typeface="微软雅黑 Light" panose="020B0502040204020203" pitchFamily="34" charset="-122"/>
+              </a:rPr>
+              <a:t>QQ</a:t>
+            </a:r>
+            <a:r>
+              <a:rPr lang="zh-CN" altLang="en-US" sz="1800" dirty="0">
+                <a:solidFill>
+                  <a:schemeClr val="tx1">
+                    <a:lumMod val="65000"/>
+                    <a:lumOff val="35000"/>
+                  </a:schemeClr>
+                </a:solidFill>
+                <a:latin typeface="微软雅黑 Light" panose="020B0502040204020203" pitchFamily="34" charset="-122"/>
+                <a:ea typeface="微软雅黑 Light" panose="020B0502040204020203" pitchFamily="34" charset="-122"/>
+              </a:rPr>
+              <a:t>群：</a:t>
+            </a:r>
+            <a:endParaRPr lang="en-US" altLang="zh-CN" sz="1800" dirty="0">
+              <a:solidFill>
+                <a:schemeClr val="tx1">
+                  <a:lumMod val="65000"/>
+                  <a:lumOff val="35000"/>
+                </a:schemeClr>
+              </a:solidFill>
+              <a:latin typeface="微软雅黑 Light" panose="020B0502040204020203" pitchFamily="34" charset="-122"/>
+              <a:ea typeface="微软雅黑 Light" panose="020B0502040204020203" pitchFamily="34" charset="-122"/>
+            </a:endParaRPr>
+          </a:p>
+          <a:p>
+            <a:pPr eaLnBrk="1" hangingPunct="1">
+              <a:lnSpc>
+                <a:spcPct val="150000"/>
+              </a:lnSpc>
+              <a:defRPr/>
+            </a:pPr>
+            <a:r>
+              <a:rPr lang="en-US" altLang="zh-CN" sz="1800" dirty="0">
+                <a:solidFill>
+                  <a:schemeClr val="tx1">
+                    <a:lumMod val="65000"/>
+                    <a:lumOff val="35000"/>
+                  </a:schemeClr>
+                </a:solidFill>
+                <a:latin typeface="微软雅黑 Light" panose="020B0502040204020203" pitchFamily="34" charset="-122"/>
+                <a:ea typeface="微软雅黑 Light" panose="020B0502040204020203" pitchFamily="34" charset="-122"/>
+              </a:rPr>
+              <a:t>665360547</a:t>
+            </a:r>
+            <a:r>
+              <a:rPr lang="zh-CN" altLang="en-US" sz="1800" dirty="0">
+                <a:solidFill>
+                  <a:schemeClr val="tx1">
+                    <a:lumMod val="65000"/>
+                    <a:lumOff val="35000"/>
+                  </a:schemeClr>
+                </a:solidFill>
+                <a:latin typeface="微软雅黑 Light" panose="020B0502040204020203" pitchFamily="34" charset="-122"/>
+                <a:ea typeface="微软雅黑 Light" panose="020B0502040204020203" pitchFamily="34" charset="-122"/>
+              </a:rPr>
+              <a:t> （请注明：</a:t>
+            </a:r>
+            <a:r>
+              <a:rPr lang="en-US" altLang="zh-CN" sz="1800" dirty="0">
+                <a:solidFill>
+                  <a:schemeClr val="tx1">
+                    <a:lumMod val="65000"/>
+                    <a:lumOff val="35000"/>
+                  </a:schemeClr>
+                </a:solidFill>
+                <a:latin typeface="微软雅黑 Light" panose="020B0502040204020203" pitchFamily="34" charset="-122"/>
+                <a:ea typeface="微软雅黑 Light" panose="020B0502040204020203" pitchFamily="34" charset="-122"/>
+              </a:rPr>
+              <a:t>CSDN</a:t>
+            </a:r>
+            <a:r>
+              <a:rPr lang="zh-CN" altLang="en-US" sz="1800" dirty="0">
+                <a:solidFill>
+                  <a:schemeClr val="tx1">
+                    <a:lumMod val="65000"/>
+                    <a:lumOff val="35000"/>
+                  </a:schemeClr>
+                </a:solidFill>
+                <a:latin typeface="微软雅黑 Light" panose="020B0502040204020203" pitchFamily="34" charset="-122"/>
+                <a:ea typeface="微软雅黑 Light" panose="020B0502040204020203" pitchFamily="34" charset="-122"/>
+              </a:rPr>
+              <a:t>学院）</a:t>
+            </a:r>
+            <a:br>
+              <a:rPr lang="en-US" altLang="zh-CN" sz="1800" dirty="0">
+                <a:solidFill>
+                  <a:schemeClr val="tx1">
+                    <a:lumMod val="65000"/>
+                    <a:lumOff val="35000"/>
+                  </a:schemeClr>
+                </a:solidFill>
+                <a:latin typeface="微软雅黑 Light" panose="020B0502040204020203" pitchFamily="34" charset="-122"/>
+                <a:ea typeface="微软雅黑 Light" panose="020B0502040204020203" pitchFamily="34" charset="-122"/>
+              </a:rPr>
+            </a:br>
+            <a:endParaRPr lang="en-US" altLang="zh-CN" sz="1800" dirty="0">
+              <a:solidFill>
+                <a:schemeClr val="tx1">
+                  <a:lumMod val="65000"/>
+                  <a:lumOff val="35000"/>
+                </a:schemeClr>
+              </a:solidFill>
+              <a:latin typeface="微软雅黑 Light" panose="020B0502040204020203" pitchFamily="34" charset="-122"/>
+              <a:ea typeface="微软雅黑 Light" panose="020B0502040204020203" pitchFamily="34" charset="-122"/>
+            </a:endParaRPr>
+          </a:p>
+        </p:txBody>
+      </p:sp>
+    </p:spTree>
+    <p:extLst>
+      <p:ext uri="{BB962C8B-B14F-4D97-AF65-F5344CB8AC3E}">
+        <p14:creationId xmlns:p14="http://schemas.microsoft.com/office/powerpoint/2010/main" val="919280505"/>
+      </p:ext>
+    </p:extLst>
+  </p:cSld>
+  <p:clrMapOvr>
+    <a:masterClrMapping/>
+  </p:clrMapOvr>
+</p:sld>
+</file>
+
+<file path=ppt/slides/slide8.xml><?xml version="1.0" encoding="utf-8"?>
 <p:sld xmlns:a="http://schemas.openxmlformats.org/drawingml/2006/main" xmlns:r="http://schemas.openxmlformats.org/officeDocument/2006/relationships" xmlns:p="http://schemas.openxmlformats.org/presentationml/2006/main">
   <p:cSld>
     <p:spTree>

--- a/PPT/01_课程介绍.pptx
+++ b/PPT/01_课程介绍.pptx
@@ -331,7 +331,7 @@
               <a:pPr>
                 <a:defRPr/>
               </a:pPr>
-              <a:t>2017/8/9</a:t>
+              <a:t>2017/8/10</a:t>
             </a:fld>
             <a:endParaRPr lang="zh-CN" altLang="en-US" sz="1200"/>
           </a:p>
@@ -4621,7 +4621,7 @@
                 <a:latin typeface="微软雅黑 Light" panose="020B0502040204020203" pitchFamily="34" charset="-122"/>
                 <a:ea typeface="微软雅黑 Light" panose="020B0502040204020203" pitchFamily="34" charset="-122"/>
               </a:rPr>
-              <a:t>掌握游戏编程和计算机图形学的基本数学知识。</a:t>
+              <a:t>掌握计算机图形学的基本数学知识。</a:t>
             </a:r>
             <a:endParaRPr lang="en-US" altLang="zh-CN" sz="2800" dirty="0">
               <a:solidFill>
@@ -4678,7 +4678,7 @@
                 <a:latin typeface="微软雅黑 Light" panose="020B0502040204020203" pitchFamily="34" charset="-122"/>
                 <a:ea typeface="微软雅黑 Light" panose="020B0502040204020203" pitchFamily="34" charset="-122"/>
               </a:rPr>
-              <a:t>物理和相关数值运算的基本方法。</a:t>
+              <a:t>物理等相关数值运算的基本方法。</a:t>
             </a:r>
             <a:endParaRPr lang="en-US" altLang="zh-CN" sz="2800" dirty="0">
               <a:solidFill>
@@ -5071,64 +5071,7 @@
                 <a:latin typeface="微软雅黑 Light" panose="020B0502040204020203" pitchFamily="34" charset="-122"/>
                 <a:ea typeface="微软雅黑 Light" panose="020B0502040204020203" pitchFamily="34" charset="-122"/>
               </a:rPr>
-              <a:t>计算机图形学的基础理论知识</a:t>
-            </a:r>
-            <a:endParaRPr lang="en-US" altLang="zh-CN" sz="2800" dirty="0">
-              <a:solidFill>
-                <a:schemeClr val="tx1">
-                  <a:lumMod val="65000"/>
-                  <a:lumOff val="35000"/>
-                </a:schemeClr>
-              </a:solidFill>
-              <a:latin typeface="微软雅黑 Light" panose="020B0502040204020203" pitchFamily="34" charset="-122"/>
-              <a:ea typeface="微软雅黑 Light" panose="020B0502040204020203" pitchFamily="34" charset="-122"/>
-            </a:endParaRPr>
-          </a:p>
-          <a:p>
-            <a:pPr eaLnBrk="1" hangingPunct="1">
-              <a:lnSpc>
-                <a:spcPct val="150000"/>
-              </a:lnSpc>
-              <a:defRPr/>
-            </a:pPr>
-            <a:r>
-              <a:rPr lang="zh-CN" altLang="en-US" sz="2800" dirty="0">
-                <a:solidFill>
-                  <a:schemeClr val="tx1">
-                    <a:lumMod val="65000"/>
-                    <a:lumOff val="35000"/>
-                  </a:schemeClr>
-                </a:solidFill>
-                <a:latin typeface="微软雅黑 Light" panose="020B0502040204020203" pitchFamily="34" charset="-122"/>
-                <a:ea typeface="微软雅黑 Light" panose="020B0502040204020203" pitchFamily="34" charset="-122"/>
-              </a:rPr>
-              <a:t>基本的</a:t>
-            </a:r>
-            <a:r>
-              <a:rPr lang="en-US" altLang="zh-CN" sz="2800" dirty="0">
-                <a:solidFill>
-                  <a:schemeClr val="tx1">
-                    <a:lumMod val="65000"/>
-                    <a:lumOff val="35000"/>
-                  </a:schemeClr>
-                </a:solidFill>
-                <a:latin typeface="微软雅黑 Light" panose="020B0502040204020203" pitchFamily="34" charset="-122"/>
-                <a:ea typeface="微软雅黑 Light" panose="020B0502040204020203" pitchFamily="34" charset="-122"/>
-              </a:rPr>
-              <a:t>3D</a:t>
-            </a:r>
-            <a:r>
-              <a:rPr lang="zh-CN" altLang="en-US" sz="2800" dirty="0">
-                <a:solidFill>
-                  <a:schemeClr val="tx1">
-                    <a:lumMod val="65000"/>
-                    <a:lumOff val="35000"/>
-                  </a:schemeClr>
-                </a:solidFill>
-                <a:latin typeface="微软雅黑 Light" panose="020B0502040204020203" pitchFamily="34" charset="-122"/>
-                <a:ea typeface="微软雅黑 Light" panose="020B0502040204020203" pitchFamily="34" charset="-122"/>
-              </a:rPr>
-              <a:t>游戏数学知识</a:t>
+              <a:t>计算机图形学的基础知识</a:t>
             </a:r>
             <a:endParaRPr lang="en-US" altLang="zh-CN" sz="2800" dirty="0">
               <a:solidFill>
@@ -5916,16 +5859,16 @@
           <a:p>
             <a:pPr algn="l" eaLnBrk="1" hangingPunct="1"/>
             <a:r>
-              <a:rPr lang="zh-CN" altLang="en-US">
+              <a:rPr lang="zh-CN" altLang="en-US" dirty="0">
                 <a:solidFill>
                   <a:srgbClr val="C00000"/>
                 </a:solidFill>
                 <a:latin typeface="微软雅黑 Light" panose="020B0502040204020203" pitchFamily="34" charset="-122"/>
                 <a:ea typeface="微软雅黑 Light" panose="020B0502040204020203" pitchFamily="34" charset="-122"/>
               </a:rPr>
-              <a:t>该课程包含的内容</a:t>
-            </a:r>
-            <a:endParaRPr lang="en-US" altLang="zh-CN">
+              <a:t>该课程包含的主要内容</a:t>
+            </a:r>
+            <a:endParaRPr lang="en-US" altLang="zh-CN" dirty="0">
               <a:solidFill>
                 <a:srgbClr val="C00000"/>
               </a:solidFill>
@@ -6226,7 +6169,7 @@
                 <a:latin typeface="微软雅黑 Light" panose="020B0502040204020203" pitchFamily="34" charset="-122"/>
                 <a:ea typeface="微软雅黑 Light" panose="020B0502040204020203" pitchFamily="34" charset="-122"/>
               </a:rPr>
-              <a:t>Quaternion</a:t>
+              <a:t>Linear System</a:t>
             </a:r>
             <a:r>
               <a:rPr lang="zh-CN" altLang="en-US" sz="2800" dirty="0">
@@ -6239,7 +6182,7 @@
                 <a:latin typeface="微软雅黑 Light" panose="020B0502040204020203" pitchFamily="34" charset="-122"/>
                 <a:ea typeface="微软雅黑 Light" panose="020B0502040204020203" pitchFamily="34" charset="-122"/>
               </a:rPr>
-              <a:t>（四元数）</a:t>
+              <a:t>（线性系统）</a:t>
             </a:r>
             <a:endParaRPr lang="en-US" altLang="zh-CN" sz="2800" dirty="0">
               <a:solidFill>
@@ -6267,7 +6210,7 @@
                 <a:latin typeface="微软雅黑 Light" panose="020B0502040204020203" pitchFamily="34" charset="-122"/>
                 <a:ea typeface="微软雅黑 Light" panose="020B0502040204020203" pitchFamily="34" charset="-122"/>
               </a:rPr>
-              <a:t>Affine Geometry</a:t>
+              <a:t>Quaternion</a:t>
             </a:r>
             <a:r>
               <a:rPr lang="zh-CN" altLang="en-US" sz="2800" dirty="0">
@@ -6280,7 +6223,7 @@
                 <a:latin typeface="微软雅黑 Light" panose="020B0502040204020203" pitchFamily="34" charset="-122"/>
                 <a:ea typeface="微软雅黑 Light" panose="020B0502040204020203" pitchFamily="34" charset="-122"/>
               </a:rPr>
-              <a:t>（仿射几何）</a:t>
+              <a:t>（四元数）</a:t>
             </a:r>
             <a:endParaRPr lang="en-US" altLang="zh-CN" sz="2800" dirty="0">
               <a:solidFill>
@@ -6308,7 +6251,7 @@
                 <a:latin typeface="微软雅黑 Light" panose="020B0502040204020203" pitchFamily="34" charset="-122"/>
                 <a:ea typeface="微软雅黑 Light" panose="020B0502040204020203" pitchFamily="34" charset="-122"/>
               </a:rPr>
-              <a:t>Affine Transformations</a:t>
+              <a:t>Affine Geometry</a:t>
             </a:r>
             <a:r>
               <a:rPr lang="zh-CN" altLang="en-US" sz="2800" dirty="0">
@@ -6321,7 +6264,7 @@
                 <a:latin typeface="微软雅黑 Light" panose="020B0502040204020203" pitchFamily="34" charset="-122"/>
                 <a:ea typeface="微软雅黑 Light" panose="020B0502040204020203" pitchFamily="34" charset="-122"/>
               </a:rPr>
-              <a:t>（仿射变换）</a:t>
+              <a:t>（仿射几何）</a:t>
             </a:r>
             <a:endParaRPr lang="en-US" altLang="zh-CN" sz="2800" dirty="0">
               <a:solidFill>
@@ -6349,7 +6292,7 @@
                 <a:latin typeface="微软雅黑 Light" panose="020B0502040204020203" pitchFamily="34" charset="-122"/>
                 <a:ea typeface="微软雅黑 Light" panose="020B0502040204020203" pitchFamily="34" charset="-122"/>
               </a:rPr>
-              <a:t>3D</a:t>
+              <a:t>Affine Transformations</a:t>
             </a:r>
             <a:r>
               <a:rPr lang="zh-CN" altLang="en-US" sz="2800" dirty="0">
@@ -6362,7 +6305,7 @@
                 <a:latin typeface="微软雅黑 Light" panose="020B0502040204020203" pitchFamily="34" charset="-122"/>
                 <a:ea typeface="微软雅黑 Light" panose="020B0502040204020203" pitchFamily="34" charset="-122"/>
               </a:rPr>
-              <a:t>数学</a:t>
+              <a:t>（仿射变换）</a:t>
             </a:r>
             <a:endParaRPr lang="en-US" altLang="zh-CN" sz="2800" dirty="0">
               <a:solidFill>
@@ -6374,24 +6317,6 @@
               <a:latin typeface="微软雅黑 Light" panose="020B0502040204020203" pitchFamily="34" charset="-122"/>
               <a:ea typeface="微软雅黑 Light" panose="020B0502040204020203" pitchFamily="34" charset="-122"/>
             </a:endParaRPr>
-          </a:p>
-          <a:p>
-            <a:pPr eaLnBrk="1" hangingPunct="1">
-              <a:defRPr/>
-            </a:pPr>
-            <a:r>
-              <a:rPr lang="en-US" altLang="zh-CN" sz="2800" dirty="0">
-                <a:solidFill>
-                  <a:schemeClr val="tx1">
-                    <a:lumMod val="65000"/>
-                    <a:lumOff val="35000"/>
-                  </a:schemeClr>
-                </a:solidFill>
-                <a:latin typeface="微软雅黑 Light" panose="020B0502040204020203" pitchFamily="34" charset="-122"/>
-                <a:ea typeface="微软雅黑 Light" panose="020B0502040204020203" pitchFamily="34" charset="-122"/>
-              </a:rPr>
-              <a:t>C++Practices</a:t>
-            </a:r>
           </a:p>
         </p:txBody>
       </p:sp>

--- a/PPT/01_课程介绍.pptx
+++ b/PPT/01_课程介绍.pptx
@@ -331,7 +331,7 @@
               <a:pPr>
                 <a:defRPr/>
               </a:pPr>
-              <a:t>2017/8/10</a:t>
+              <a:t>2017/8/24</a:t>
             </a:fld>
             <a:endParaRPr lang="zh-CN" altLang="en-US" sz="1200"/>
           </a:p>
@@ -6182,25 +6182,10 @@
                 <a:latin typeface="微软雅黑 Light" panose="020B0502040204020203" pitchFamily="34" charset="-122"/>
                 <a:ea typeface="微软雅黑 Light" panose="020B0502040204020203" pitchFamily="34" charset="-122"/>
               </a:rPr>
-              <a:t>（线性系统）</a:t>
-            </a:r>
-            <a:endParaRPr lang="en-US" altLang="zh-CN" sz="2800" dirty="0">
-              <a:solidFill>
-                <a:schemeClr val="tx1">
-                  <a:lumMod val="65000"/>
-                  <a:lumOff val="35000"/>
-                </a:schemeClr>
-              </a:solidFill>
-              <a:latin typeface="微软雅黑 Light" panose="020B0502040204020203" pitchFamily="34" charset="-122"/>
-              <a:ea typeface="微软雅黑 Light" panose="020B0502040204020203" pitchFamily="34" charset="-122"/>
-            </a:endParaRPr>
-          </a:p>
-          <a:p>
-            <a:pPr eaLnBrk="1" hangingPunct="1">
-              <a:defRPr/>
-            </a:pPr>
-            <a:r>
-              <a:rPr lang="en-US" altLang="zh-CN" sz="2800" dirty="0">
+              <a:t>（</a:t>
+            </a:r>
+            <a:r>
+              <a:rPr lang="zh-CN" altLang="en-US" sz="2800">
                 <a:solidFill>
                   <a:schemeClr val="tx1">
                     <a:lumMod val="65000"/>
@@ -6210,20 +6195,7 @@
                 <a:latin typeface="微软雅黑 Light" panose="020B0502040204020203" pitchFamily="34" charset="-122"/>
                 <a:ea typeface="微软雅黑 Light" panose="020B0502040204020203" pitchFamily="34" charset="-122"/>
               </a:rPr>
-              <a:t>Quaternion</a:t>
-            </a:r>
-            <a:r>
-              <a:rPr lang="zh-CN" altLang="en-US" sz="2800" dirty="0">
-                <a:solidFill>
-                  <a:schemeClr val="tx1">
-                    <a:lumMod val="65000"/>
-                    <a:lumOff val="35000"/>
-                  </a:schemeClr>
-                </a:solidFill>
-                <a:latin typeface="微软雅黑 Light" panose="020B0502040204020203" pitchFamily="34" charset="-122"/>
-                <a:ea typeface="微软雅黑 Light" panose="020B0502040204020203" pitchFamily="34" charset="-122"/>
-              </a:rPr>
-              <a:t>（四元数）</a:t>
+              <a:t>线性系统）</a:t>
             </a:r>
             <a:endParaRPr lang="en-US" altLang="zh-CN" sz="2800" dirty="0">
               <a:solidFill>

--- a/PPT/01_课程介绍.pptx
+++ b/PPT/01_课程介绍.pptx
@@ -331,7 +331,7 @@
               <a:pPr>
                 <a:defRPr/>
               </a:pPr>
-              <a:t>2017/8/24</a:t>
+              <a:t>2017/8/28</a:t>
             </a:fld>
             <a:endParaRPr lang="zh-CN" altLang="en-US" sz="1200"/>
           </a:p>
@@ -6182,20 +6182,7 @@
                 <a:latin typeface="微软雅黑 Light" panose="020B0502040204020203" pitchFamily="34" charset="-122"/>
                 <a:ea typeface="微软雅黑 Light" panose="020B0502040204020203" pitchFamily="34" charset="-122"/>
               </a:rPr>
-              <a:t>（</a:t>
-            </a:r>
-            <a:r>
-              <a:rPr lang="zh-CN" altLang="en-US" sz="2800">
-                <a:solidFill>
-                  <a:schemeClr val="tx1">
-                    <a:lumMod val="65000"/>
-                    <a:lumOff val="35000"/>
-                  </a:schemeClr>
-                </a:solidFill>
-                <a:latin typeface="微软雅黑 Light" panose="020B0502040204020203" pitchFamily="34" charset="-122"/>
-                <a:ea typeface="微软雅黑 Light" panose="020B0502040204020203" pitchFamily="34" charset="-122"/>
-              </a:rPr>
-              <a:t>线性系统）</a:t>
+              <a:t>（线性系统）</a:t>
             </a:r>
             <a:endParaRPr lang="en-US" altLang="zh-CN" sz="2800" dirty="0">
               <a:solidFill>
@@ -6278,6 +6265,88 @@
                 <a:ea typeface="微软雅黑 Light" panose="020B0502040204020203" pitchFamily="34" charset="-122"/>
               </a:rPr>
               <a:t>（仿射变换）</a:t>
+            </a:r>
+            <a:endParaRPr lang="en-US" altLang="zh-CN" sz="2800" dirty="0">
+              <a:solidFill>
+                <a:schemeClr val="tx1">
+                  <a:lumMod val="65000"/>
+                  <a:lumOff val="35000"/>
+                </a:schemeClr>
+              </a:solidFill>
+              <a:latin typeface="微软雅黑 Light" panose="020B0502040204020203" pitchFamily="34" charset="-122"/>
+              <a:ea typeface="微软雅黑 Light" panose="020B0502040204020203" pitchFamily="34" charset="-122"/>
+            </a:endParaRPr>
+          </a:p>
+          <a:p>
+            <a:pPr eaLnBrk="1" hangingPunct="1">
+              <a:defRPr/>
+            </a:pPr>
+            <a:r>
+              <a:rPr lang="en-US" altLang="zh-CN" sz="2800" dirty="0">
+                <a:solidFill>
+                  <a:schemeClr val="tx1">
+                    <a:lumMod val="65000"/>
+                    <a:lumOff val="35000"/>
+                  </a:schemeClr>
+                </a:solidFill>
+                <a:latin typeface="微软雅黑 Light" panose="020B0502040204020203" pitchFamily="34" charset="-122"/>
+                <a:ea typeface="微软雅黑 Light" panose="020B0502040204020203" pitchFamily="34" charset="-122"/>
+              </a:rPr>
+              <a:t>Rigid Transformation</a:t>
+            </a:r>
+            <a:r>
+              <a:rPr lang="zh-CN" altLang="en-US" sz="2800" dirty="0">
+                <a:solidFill>
+                  <a:schemeClr val="tx1">
+                    <a:lumMod val="65000"/>
+                    <a:lumOff val="35000"/>
+                  </a:schemeClr>
+                </a:solidFill>
+                <a:latin typeface="微软雅黑 Light" panose="020B0502040204020203" pitchFamily="34" charset="-122"/>
+                <a:ea typeface="微软雅黑 Light" panose="020B0502040204020203" pitchFamily="34" charset="-122"/>
+              </a:rPr>
+              <a:t>（刚体变换）</a:t>
+            </a:r>
+            <a:endParaRPr lang="en-US" altLang="zh-CN" sz="2800" dirty="0">
+              <a:solidFill>
+                <a:schemeClr val="tx1">
+                  <a:lumMod val="65000"/>
+                  <a:lumOff val="35000"/>
+                </a:schemeClr>
+              </a:solidFill>
+              <a:latin typeface="微软雅黑 Light" panose="020B0502040204020203" pitchFamily="34" charset="-122"/>
+              <a:ea typeface="微软雅黑 Light" panose="020B0502040204020203" pitchFamily="34" charset="-122"/>
+            </a:endParaRPr>
+          </a:p>
+          <a:p>
+            <a:pPr eaLnBrk="1" hangingPunct="1">
+              <a:defRPr/>
+            </a:pPr>
+            <a:r>
+              <a:rPr lang="en-US" altLang="zh-CN" sz="2800" dirty="0">
+                <a:solidFill>
+                  <a:schemeClr val="tx1">
+                    <a:lumMod val="65000"/>
+                    <a:lumOff val="35000"/>
+                  </a:schemeClr>
+                </a:solidFill>
+                <a:latin typeface="微软雅黑 Light" panose="020B0502040204020203" pitchFamily="34" charset="-122"/>
+                <a:ea typeface="微软雅黑 Light" panose="020B0502040204020203" pitchFamily="34" charset="-122"/>
+              </a:rPr>
+              <a:t>Quaternion</a:t>
+            </a:r>
+            <a:r>
+              <a:rPr lang="zh-CN" altLang="en-US" sz="2800" dirty="0">
+                <a:solidFill>
+                  <a:schemeClr val="tx1">
+                    <a:lumMod val="65000"/>
+                    <a:lumOff val="35000"/>
+                  </a:schemeClr>
+                </a:solidFill>
+                <a:latin typeface="微软雅黑 Light" panose="020B0502040204020203" pitchFamily="34" charset="-122"/>
+                <a:ea typeface="微软雅黑 Light" panose="020B0502040204020203" pitchFamily="34" charset="-122"/>
+              </a:rPr>
+              <a:t>（四元数）</a:t>
             </a:r>
             <a:endParaRPr lang="en-US" altLang="zh-CN" sz="2800" dirty="0">
               <a:solidFill>

--- a/PPT/01_课程介绍.pptx
+++ b/PPT/01_课程介绍.pptx
@@ -15,7 +15,7 @@
     <p:sldId id="262" r:id="rId6"/>
     <p:sldId id="263" r:id="rId7"/>
     <p:sldId id="264" r:id="rId8"/>
-    <p:sldId id="259" r:id="rId9"/>
+    <p:sldId id="265" r:id="rId9"/>
   </p:sldIdLst>
   <p:sldSz cx="9144000" cy="5143500" type="screen16x9"/>
   <p:notesSz cx="6858000" cy="9144000"/>
@@ -331,7 +331,7 @@
               <a:pPr>
                 <a:defRPr/>
               </a:pPr>
-              <a:t>2017/8/28</a:t>
+              <a:t>2017/10/9</a:t>
             </a:fld>
             <a:endParaRPr lang="zh-CN" altLang="en-US" sz="1200"/>
           </a:p>
@@ -3179,66 +3179,6 @@
           <a:chExt cx="0" cy="0"/>
         </a:xfrm>
       </p:grpSpPr>
-      <p:pic>
-        <p:nvPicPr>
-          <p:cNvPr id="2050" name="Picture 2" descr="D:\work\CSDN学院ppt\5.jpg">
-            <a:extLst>
-              <a:ext uri="{FF2B5EF4-FFF2-40B4-BE49-F238E27FC236}">
-                <a16:creationId xmlns:a16="http://schemas.microsoft.com/office/drawing/2014/main" id="{B1E9848E-751E-4B3D-A7EF-6C54DCF329D3}"/>
-              </a:ext>
-            </a:extLst>
-          </p:cNvPr>
-          <p:cNvPicPr>
-            <a:picLocks noChangeAspect="1" noChangeArrowheads="1"/>
-          </p:cNvPicPr>
-          <p:nvPr/>
-        </p:nvPicPr>
-        <p:blipFill>
-          <a:blip r:embed="rId2">
-            <a:extLst>
-              <a:ext uri="{28A0092B-C50C-407E-A947-70E740481C1C}">
-                <a14:useLocalDpi xmlns:a14="http://schemas.microsoft.com/office/drawing/2010/main" val="0"/>
-              </a:ext>
-            </a:extLst>
-          </a:blip>
-          <a:srcRect/>
-          <a:stretch>
-            <a:fillRect/>
-          </a:stretch>
-        </p:blipFill>
-        <p:spPr bwMode="auto">
-          <a:xfrm>
-            <a:off x="0" y="0"/>
-            <a:ext cx="9140825" cy="5141913"/>
-          </a:xfrm>
-          <a:prstGeom prst="rect">
-            <a:avLst/>
-          </a:prstGeom>
-          <a:noFill/>
-          <a:ln>
-            <a:noFill/>
-          </a:ln>
-          <a:extLst>
-            <a:ext uri="{909E8E84-426E-40DD-AFC4-6F175D3DCCD1}">
-              <a14:hiddenFill xmlns:a14="http://schemas.microsoft.com/office/drawing/2010/main">
-                <a:solidFill>
-                  <a:srgbClr val="FFFFFF"/>
-                </a:solidFill>
-              </a14:hiddenFill>
-            </a:ext>
-            <a:ext uri="{91240B29-F687-4F45-9708-019B960494DF}">
-              <a14:hiddenLine xmlns:a14="http://schemas.microsoft.com/office/drawing/2010/main" w="9525">
-                <a:solidFill>
-                  <a:srgbClr val="000000"/>
-                </a:solidFill>
-                <a:miter lim="800000"/>
-                <a:headEnd/>
-                <a:tailEnd/>
-              </a14:hiddenLine>
-            </a:ext>
-          </a:extLst>
-        </p:spPr>
-      </p:pic>
       <p:sp>
         <p:nvSpPr>
           <p:cNvPr id="3075" name="Title 1">
@@ -3374,223 +3314,6 @@
               <a:ea typeface="微软雅黑" panose="020B0503020204020204" pitchFamily="34" charset="-122"/>
               <a:sym typeface="微软雅黑" panose="020B0503020204020204" pitchFamily="34" charset="-122"/>
             </a:endParaRPr>
-          </a:p>
-        </p:txBody>
-      </p:sp>
-      <p:sp>
-        <p:nvSpPr>
-          <p:cNvPr id="2052" name="文本框 4">
-            <a:extLst>
-              <a:ext uri="{FF2B5EF4-FFF2-40B4-BE49-F238E27FC236}">
-                <a16:creationId xmlns:a16="http://schemas.microsoft.com/office/drawing/2014/main" id="{EA441C0C-3E5D-4FDF-A876-649104AAE2DB}"/>
-              </a:ext>
-            </a:extLst>
-          </p:cNvPr>
-          <p:cNvSpPr>
-            <a:spLocks noChangeArrowheads="1"/>
-          </p:cNvSpPr>
-          <p:nvPr/>
-        </p:nvSpPr>
-        <p:spPr bwMode="auto">
-          <a:xfrm>
-            <a:off x="4473575" y="2787650"/>
-            <a:ext cx="4202113" cy="336695"/>
-          </a:xfrm>
-          <a:prstGeom prst="rect">
-            <a:avLst/>
-          </a:prstGeom>
-          <a:noFill/>
-          <a:ln>
-            <a:noFill/>
-          </a:ln>
-          <a:extLst>
-            <a:ext uri="{909E8E84-426E-40DD-AFC4-6F175D3DCCD1}">
-              <a14:hiddenFill xmlns:a14="http://schemas.microsoft.com/office/drawing/2010/main">
-                <a:solidFill>
-                  <a:srgbClr val="FFFFFF"/>
-                </a:solidFill>
-              </a14:hiddenFill>
-            </a:ext>
-            <a:ext uri="{91240B29-F687-4F45-9708-019B960494DF}">
-              <a14:hiddenLine xmlns:a14="http://schemas.microsoft.com/office/drawing/2010/main" w="9525">
-                <a:solidFill>
-                  <a:srgbClr val="000000"/>
-                </a:solidFill>
-                <a:miter lim="800000"/>
-                <a:headEnd/>
-                <a:tailEnd/>
-              </a14:hiddenLine>
-            </a:ext>
-          </a:extLst>
-        </p:spPr>
-        <p:txBody>
-          <a:bodyPr>
-            <a:spAutoFit/>
-          </a:bodyPr>
-          <a:lstStyle>
-            <a:lvl1pPr>
-              <a:buFont typeface="Arial" panose="020B0604020202020204" pitchFamily="34" charset="0"/>
-              <a:defRPr>
-                <a:solidFill>
-                  <a:schemeClr val="tx1"/>
-                </a:solidFill>
-                <a:latin typeface="Arial" panose="020B0604020202020204" pitchFamily="34" charset="0"/>
-                <a:ea typeface="宋体" panose="02010600030101010101" pitchFamily="2" charset="-122"/>
-              </a:defRPr>
-            </a:lvl1pPr>
-            <a:lvl2pPr marL="742950" indent="-285750">
-              <a:buFont typeface="Arial" panose="020B0604020202020204" pitchFamily="34" charset="0"/>
-              <a:defRPr>
-                <a:solidFill>
-                  <a:schemeClr val="tx1"/>
-                </a:solidFill>
-                <a:latin typeface="Arial" panose="020B0604020202020204" pitchFamily="34" charset="0"/>
-                <a:ea typeface="宋体" panose="02010600030101010101" pitchFamily="2" charset="-122"/>
-              </a:defRPr>
-            </a:lvl2pPr>
-            <a:lvl3pPr marL="1143000" indent="-228600">
-              <a:buFont typeface="Arial" panose="020B0604020202020204" pitchFamily="34" charset="0"/>
-              <a:defRPr>
-                <a:solidFill>
-                  <a:schemeClr val="tx1"/>
-                </a:solidFill>
-                <a:latin typeface="Arial" panose="020B0604020202020204" pitchFamily="34" charset="0"/>
-                <a:ea typeface="宋体" panose="02010600030101010101" pitchFamily="2" charset="-122"/>
-              </a:defRPr>
-            </a:lvl3pPr>
-            <a:lvl4pPr marL="1600200" indent="-228600">
-              <a:buFont typeface="Arial" panose="020B0604020202020204" pitchFamily="34" charset="0"/>
-              <a:defRPr>
-                <a:solidFill>
-                  <a:schemeClr val="tx1"/>
-                </a:solidFill>
-                <a:latin typeface="Arial" panose="020B0604020202020204" pitchFamily="34" charset="0"/>
-                <a:ea typeface="宋体" panose="02010600030101010101" pitchFamily="2" charset="-122"/>
-              </a:defRPr>
-            </a:lvl4pPr>
-            <a:lvl5pPr marL="2057400" indent="-228600">
-              <a:buFont typeface="Arial" panose="020B0604020202020204" pitchFamily="34" charset="0"/>
-              <a:defRPr>
-                <a:solidFill>
-                  <a:schemeClr val="tx1"/>
-                </a:solidFill>
-                <a:latin typeface="Arial" panose="020B0604020202020204" pitchFamily="34" charset="0"/>
-                <a:ea typeface="宋体" panose="02010600030101010101" pitchFamily="2" charset="-122"/>
-              </a:defRPr>
-            </a:lvl5pPr>
-            <a:lvl6pPr marL="2514600" indent="-228600" eaLnBrk="0" fontAlgn="base" hangingPunct="0">
-              <a:spcBef>
-                <a:spcPct val="0"/>
-              </a:spcBef>
-              <a:spcAft>
-                <a:spcPct val="0"/>
-              </a:spcAft>
-              <a:buFont typeface="Arial" panose="020B0604020202020204" pitchFamily="34" charset="0"/>
-              <a:defRPr>
-                <a:solidFill>
-                  <a:schemeClr val="tx1"/>
-                </a:solidFill>
-                <a:latin typeface="Arial" panose="020B0604020202020204" pitchFamily="34" charset="0"/>
-                <a:ea typeface="宋体" panose="02010600030101010101" pitchFamily="2" charset="-122"/>
-              </a:defRPr>
-            </a:lvl6pPr>
-            <a:lvl7pPr marL="2971800" indent="-228600" eaLnBrk="0" fontAlgn="base" hangingPunct="0">
-              <a:spcBef>
-                <a:spcPct val="0"/>
-              </a:spcBef>
-              <a:spcAft>
-                <a:spcPct val="0"/>
-              </a:spcAft>
-              <a:buFont typeface="Arial" panose="020B0604020202020204" pitchFamily="34" charset="0"/>
-              <a:defRPr>
-                <a:solidFill>
-                  <a:schemeClr val="tx1"/>
-                </a:solidFill>
-                <a:latin typeface="Arial" panose="020B0604020202020204" pitchFamily="34" charset="0"/>
-                <a:ea typeface="宋体" panose="02010600030101010101" pitchFamily="2" charset="-122"/>
-              </a:defRPr>
-            </a:lvl7pPr>
-            <a:lvl8pPr marL="3429000" indent="-228600" eaLnBrk="0" fontAlgn="base" hangingPunct="0">
-              <a:spcBef>
-                <a:spcPct val="0"/>
-              </a:spcBef>
-              <a:spcAft>
-                <a:spcPct val="0"/>
-              </a:spcAft>
-              <a:buFont typeface="Arial" panose="020B0604020202020204" pitchFamily="34" charset="0"/>
-              <a:defRPr>
-                <a:solidFill>
-                  <a:schemeClr val="tx1"/>
-                </a:solidFill>
-                <a:latin typeface="Arial" panose="020B0604020202020204" pitchFamily="34" charset="0"/>
-                <a:ea typeface="宋体" panose="02010600030101010101" pitchFamily="2" charset="-122"/>
-              </a:defRPr>
-            </a:lvl8pPr>
-            <a:lvl9pPr marL="3886200" indent="-228600" eaLnBrk="0" fontAlgn="base" hangingPunct="0">
-              <a:spcBef>
-                <a:spcPct val="0"/>
-              </a:spcBef>
-              <a:spcAft>
-                <a:spcPct val="0"/>
-              </a:spcAft>
-              <a:buFont typeface="Arial" panose="020B0604020202020204" pitchFamily="34" charset="0"/>
-              <a:defRPr>
-                <a:solidFill>
-                  <a:schemeClr val="tx1"/>
-                </a:solidFill>
-                <a:latin typeface="Arial" panose="020B0604020202020204" pitchFamily="34" charset="0"/>
-                <a:ea typeface="宋体" panose="02010600030101010101" pitchFamily="2" charset="-122"/>
-              </a:defRPr>
-            </a:lvl9pPr>
-          </a:lstStyle>
-          <a:p>
-            <a:pPr eaLnBrk="1" hangingPunct="1">
-              <a:lnSpc>
-                <a:spcPct val="150000"/>
-              </a:lnSpc>
-            </a:pPr>
-            <a:r>
-              <a:rPr lang="en-US" altLang="zh-CN" sz="1200" dirty="0">
-                <a:solidFill>
-                  <a:schemeClr val="tx1">
-                    <a:lumMod val="65000"/>
-                    <a:lumOff val="35000"/>
-                  </a:schemeClr>
-                </a:solidFill>
-                <a:latin typeface="微软雅黑" panose="020B0503020204020204" pitchFamily="34" charset="-122"/>
-                <a:ea typeface="微软雅黑" panose="020B0503020204020204" pitchFamily="34" charset="-122"/>
-                <a:sym typeface="微软雅黑" panose="020B0503020204020204" pitchFamily="34" charset="-122"/>
-              </a:rPr>
-              <a:t>CSDN</a:t>
-            </a:r>
-            <a:r>
-              <a:rPr lang="zh-CN" altLang="en-US" sz="1200" dirty="0">
-                <a:solidFill>
-                  <a:schemeClr val="tx1">
-                    <a:lumMod val="65000"/>
-                    <a:lumOff val="35000"/>
-                  </a:schemeClr>
-                </a:solidFill>
-                <a:latin typeface="微软雅黑" panose="020B0503020204020204" pitchFamily="34" charset="-122"/>
-                <a:ea typeface="微软雅黑" panose="020B0503020204020204" pitchFamily="34" charset="-122"/>
-                <a:sym typeface="微软雅黑" panose="020B0503020204020204" pitchFamily="34" charset="-122"/>
-              </a:rPr>
-              <a:t>博客地址</a:t>
-            </a:r>
-            <a:r>
-              <a:rPr lang="en-US" altLang="zh-CN" sz="1200" dirty="0">
-                <a:solidFill>
-                  <a:schemeClr val="tx1">
-                    <a:lumMod val="65000"/>
-                    <a:lumOff val="35000"/>
-                  </a:schemeClr>
-                </a:solidFill>
-                <a:latin typeface="微软雅黑" panose="020B0503020204020204" pitchFamily="34" charset="-122"/>
-                <a:ea typeface="微软雅黑" panose="020B0503020204020204" pitchFamily="34" charset="-122"/>
-                <a:sym typeface="微软雅黑" panose="020B0503020204020204" pitchFamily="34" charset="-122"/>
-              </a:rPr>
-              <a:t>:</a:t>
-            </a:r>
           </a:p>
         </p:txBody>
       </p:sp>
@@ -3979,10 +3702,10 @@
       </p:sp>
       <p:sp>
         <p:nvSpPr>
-          <p:cNvPr id="2055" name="文本框 6">
+          <p:cNvPr id="12" name="矩形 6">
             <a:extLst>
               <a:ext uri="{FF2B5EF4-FFF2-40B4-BE49-F238E27FC236}">
-                <a16:creationId xmlns:a16="http://schemas.microsoft.com/office/drawing/2014/main" id="{24B7095F-E59A-4D2B-BCB8-29A41E044681}"/>
+                <a16:creationId xmlns:a16="http://schemas.microsoft.com/office/drawing/2014/main" id="{0E39F71D-14AF-466F-80F7-D013332A6BF5}"/>
               </a:ext>
             </a:extLst>
           </p:cNvPr>
@@ -3993,30 +3716,25 @@
         </p:nvSpPr>
         <p:spPr bwMode="auto">
           <a:xfrm>
-            <a:off x="4473575" y="3124200"/>
-            <a:ext cx="2735262" cy="276225"/>
+            <a:off x="0" y="4622222"/>
+            <a:ext cx="9144000" cy="538162"/>
           </a:xfrm>
           <a:prstGeom prst="rect">
             <a:avLst/>
           </a:prstGeom>
-          <a:noFill/>
+          <a:solidFill>
+            <a:srgbClr val="C00000"/>
+          </a:solidFill>
           <a:ln>
             <a:noFill/>
           </a:ln>
           <a:extLst>
-            <a:ext uri="{909E8E84-426E-40DD-AFC4-6F175D3DCCD1}">
-              <a14:hiddenFill xmlns:a14="http://schemas.microsoft.com/office/drawing/2010/main">
-                <a:solidFill>
-                  <a:srgbClr val="FFFFFF"/>
-                </a:solidFill>
-              </a14:hiddenFill>
-            </a:ext>
             <a:ext uri="{91240B29-F687-4F45-9708-019B960494DF}">
-              <a14:hiddenLine xmlns:a14="http://schemas.microsoft.com/office/drawing/2010/main" w="9525">
-                <a:solidFill>
-                  <a:srgbClr val="000000"/>
-                </a:solidFill>
-                <a:miter lim="800000"/>
+              <a14:hiddenLine xmlns:a14="http://schemas.microsoft.com/office/drawing/2010/main" w="25400">
+                <a:solidFill>
+                  <a:srgbClr val="395E8A"/>
+                </a:solidFill>
+                <a:bevel/>
                 <a:headEnd/>
                 <a:tailEnd/>
               </a14:hiddenLine>
@@ -4024,9 +3742,7 @@
           </a:extLst>
         </p:spPr>
         <p:txBody>
-          <a:bodyPr>
-            <a:spAutoFit/>
-          </a:bodyPr>
+          <a:bodyPr anchor="ctr"/>
           <a:lstStyle>
             <a:lvl1pPr>
               <a:buFont typeface="Arial" panose="020B0604020202020204" pitchFamily="34" charset="0"/>
@@ -4144,105 +3860,93 @@
             </a:lvl9pPr>
           </a:lstStyle>
           <a:p>
-            <a:pPr eaLnBrk="1" hangingPunct="1"/>
-            <a:r>
-              <a:rPr lang="en-US" altLang="zh-CN" sz="1200" dirty="0">
-                <a:solidFill>
-                  <a:schemeClr val="tx1">
-                    <a:lumMod val="65000"/>
-                    <a:lumOff val="35000"/>
-                  </a:schemeClr>
-                </a:solidFill>
-                <a:latin typeface="微软雅黑" panose="020B0503020204020204" pitchFamily="34" charset="-122"/>
-                <a:ea typeface="微软雅黑" panose="020B0503020204020204" pitchFamily="34" charset="-122"/>
-                <a:sym typeface="微软雅黑" panose="020B0503020204020204" pitchFamily="34" charset="-122"/>
-              </a:rPr>
-              <a:t>http://blog.csdn.net/zhangci226</a:t>
-            </a:r>
-            <a:endParaRPr lang="zh-CN" altLang="en-US" sz="1200" dirty="0">
+            <a:pPr algn="ctr" eaLnBrk="1" hangingPunct="1"/>
+            <a:endParaRPr lang="zh-CN" altLang="zh-CN">
               <a:solidFill>
-                <a:schemeClr val="tx1">
-                  <a:lumMod val="65000"/>
-                  <a:lumOff val="35000"/>
-                </a:schemeClr>
+                <a:srgbClr val="FFFFFF"/>
               </a:solidFill>
-              <a:latin typeface="微软雅黑" panose="020B0503020204020204" pitchFamily="34" charset="-122"/>
-              <a:ea typeface="微软雅黑" panose="020B0503020204020204" pitchFamily="34" charset="-122"/>
-              <a:sym typeface="微软雅黑" panose="020B0503020204020204" pitchFamily="34" charset="-122"/>
+              <a:latin typeface="宋体" panose="02010600030101010101" pitchFamily="2" charset="-122"/>
+              <a:sym typeface="宋体" panose="02010600030101010101" pitchFamily="2" charset="-122"/>
             </a:endParaRPr>
           </a:p>
         </p:txBody>
       </p:sp>
       <p:pic>
         <p:nvPicPr>
-          <p:cNvPr id="2056" name="Picture 2">
+          <p:cNvPr id="3" name="图片 2">
             <a:extLst>
               <a:ext uri="{FF2B5EF4-FFF2-40B4-BE49-F238E27FC236}">
-                <a16:creationId xmlns:a16="http://schemas.microsoft.com/office/drawing/2014/main" id="{58294FCF-AD8A-45BB-B856-A1E2A589334A}"/>
+                <a16:creationId xmlns:a16="http://schemas.microsoft.com/office/drawing/2014/main" id="{583004D2-6E63-4036-ACDD-0910B14D3FCA}"/>
               </a:ext>
             </a:extLst>
           </p:cNvPr>
           <p:cNvPicPr>
-            <a:picLocks noChangeAspect="1" noChangeArrowheads="1"/>
+            <a:picLocks noChangeAspect="1"/>
           </p:cNvPicPr>
           <p:nvPr/>
         </p:nvPicPr>
         <p:blipFill>
-          <a:blip r:embed="rId3">
+          <a:blip r:embed="rId2">
             <a:extLst>
               <a:ext uri="{28A0092B-C50C-407E-A947-70E740481C1C}">
                 <a14:useLocalDpi xmlns:a14="http://schemas.microsoft.com/office/drawing/2010/main" val="0"/>
               </a:ext>
             </a:extLst>
           </a:blip>
-          <a:srcRect/>
           <a:stretch>
             <a:fillRect/>
           </a:stretch>
         </p:blipFill>
-        <p:spPr bwMode="auto">
+        <p:spPr>
           <a:xfrm>
-            <a:off x="107950" y="123825"/>
-            <a:ext cx="1296988" cy="539750"/>
+            <a:off x="251641" y="267559"/>
+            <a:ext cx="3379278" cy="4173683"/>
           </a:xfrm>
           <a:prstGeom prst="rect">
             <a:avLst/>
           </a:prstGeom>
-          <a:noFill/>
-          <a:ln>
-            <a:noFill/>
-          </a:ln>
-          <a:effectLst/>
-          <a:extLst>
-            <a:ext uri="{909E8E84-426E-40DD-AFC4-6F175D3DCCD1}">
-              <a14:hiddenFill xmlns:a14="http://schemas.microsoft.com/office/drawing/2010/main">
-                <a:solidFill>
-                  <a:srgbClr val="FFFFFF"/>
-                </a:solidFill>
-              </a14:hiddenFill>
-            </a:ext>
-            <a:ext uri="{91240B29-F687-4F45-9708-019B960494DF}">
-              <a14:hiddenLine xmlns:a14="http://schemas.microsoft.com/office/drawing/2010/main" w="9525">
-                <a:solidFill>
-                  <a:srgbClr val="000000"/>
-                </a:solidFill>
-                <a:bevel/>
-                <a:headEnd/>
-                <a:tailEnd/>
-              </a14:hiddenLine>
-            </a:ext>
-            <a:ext uri="{AF507438-7753-43E0-B8FC-AC1667EBCBE1}">
-              <a14:hiddenEffects xmlns:a14="http://schemas.microsoft.com/office/drawing/2010/main">
-                <a:effectLst>
-                  <a:outerShdw dist="35921" dir="2700000" algn="ctr" rotWithShape="0">
-                    <a:srgbClr val="808080"/>
-                  </a:outerShdw>
-                </a:effectLst>
-              </a14:hiddenEffects>
-            </a:ext>
-          </a:extLst>
         </p:spPr>
       </p:pic>
+      <p:sp>
+        <p:nvSpPr>
+          <p:cNvPr id="4" name="矩形 3">
+            <a:extLst>
+              <a:ext uri="{FF2B5EF4-FFF2-40B4-BE49-F238E27FC236}">
+                <a16:creationId xmlns:a16="http://schemas.microsoft.com/office/drawing/2014/main" id="{4216CA4C-6561-4063-B20A-0403314CB7B8}"/>
+              </a:ext>
+            </a:extLst>
+          </p:cNvPr>
+          <p:cNvSpPr/>
+          <p:nvPr/>
+        </p:nvSpPr>
+        <p:spPr>
+          <a:xfrm>
+            <a:off x="6712629" y="4722628"/>
+            <a:ext cx="2431371" cy="369332"/>
+          </a:xfrm>
+          <a:prstGeom prst="rect">
+            <a:avLst/>
+          </a:prstGeom>
+        </p:spPr>
+        <p:txBody>
+          <a:bodyPr wrap="none">
+            <a:spAutoFit/>
+          </a:bodyPr>
+          <a:lstStyle/>
+          <a:p>
+            <a:r>
+              <a:rPr lang="en-US" altLang="zh-CN" dirty="0">
+                <a:solidFill>
+                  <a:srgbClr val="FFFFFF"/>
+                </a:solidFill>
+                <a:latin typeface="MicrosoftYaHei"/>
+              </a:rPr>
+              <a:t>GRAPHICS LABORATORY</a:t>
+            </a:r>
+            <a:endParaRPr lang="zh-CN" altLang="en-US" dirty="0"/>
+          </a:p>
+        </p:txBody>
+      </p:sp>
     </p:spTree>
   </p:cSld>
   <p:clrMapOvr>
@@ -4268,76 +3972,6 @@
           <a:chExt cx="0" cy="0"/>
         </a:xfrm>
       </p:grpSpPr>
-      <p:pic>
-        <p:nvPicPr>
-          <p:cNvPr id="3074" name="Picture 2">
-            <a:extLst>
-              <a:ext uri="{FF2B5EF4-FFF2-40B4-BE49-F238E27FC236}">
-                <a16:creationId xmlns:a16="http://schemas.microsoft.com/office/drawing/2014/main" id="{CE3CEE5C-FBEB-4342-B1B3-D6580A905CD6}"/>
-              </a:ext>
-            </a:extLst>
-          </p:cNvPr>
-          <p:cNvPicPr>
-            <a:picLocks noChangeAspect="1" noChangeArrowheads="1"/>
-          </p:cNvPicPr>
-          <p:nvPr/>
-        </p:nvPicPr>
-        <p:blipFill>
-          <a:blip r:embed="rId2">
-            <a:extLst>
-              <a:ext uri="{28A0092B-C50C-407E-A947-70E740481C1C}">
-                <a14:useLocalDpi xmlns:a14="http://schemas.microsoft.com/office/drawing/2010/main" val="0"/>
-              </a:ext>
-            </a:extLst>
-          </a:blip>
-          <a:srcRect/>
-          <a:stretch>
-            <a:fillRect/>
-          </a:stretch>
-        </p:blipFill>
-        <p:spPr bwMode="auto">
-          <a:xfrm>
-            <a:off x="7956550" y="4606925"/>
-            <a:ext cx="1081088" cy="450850"/>
-          </a:xfrm>
-          <a:prstGeom prst="rect">
-            <a:avLst/>
-          </a:prstGeom>
-          <a:noFill/>
-          <a:ln>
-            <a:noFill/>
-          </a:ln>
-          <a:effectLst/>
-          <a:extLst>
-            <a:ext uri="{909E8E84-426E-40DD-AFC4-6F175D3DCCD1}">
-              <a14:hiddenFill xmlns:a14="http://schemas.microsoft.com/office/drawing/2010/main">
-                <a:solidFill>
-                  <a:srgbClr val="FFFFFF"/>
-                </a:solidFill>
-              </a14:hiddenFill>
-            </a:ext>
-            <a:ext uri="{91240B29-F687-4F45-9708-019B960494DF}">
-              <a14:hiddenLine xmlns:a14="http://schemas.microsoft.com/office/drawing/2010/main" w="9525">
-                <a:solidFill>
-                  <a:srgbClr val="000000"/>
-                </a:solidFill>
-                <a:miter lim="800000"/>
-                <a:headEnd/>
-                <a:tailEnd/>
-              </a14:hiddenLine>
-            </a:ext>
-            <a:ext uri="{AF507438-7753-43E0-B8FC-AC1667EBCBE1}">
-              <a14:hiddenEffects xmlns:a14="http://schemas.microsoft.com/office/drawing/2010/main">
-                <a:effectLst>
-                  <a:outerShdw dist="35921" dir="2700000" algn="ctr" rotWithShape="0">
-                    <a:srgbClr val="808080"/>
-                  </a:outerShdw>
-                </a:effectLst>
-              </a14:hiddenEffects>
-            </a:ext>
-          </a:extLst>
-        </p:spPr>
-      </p:pic>
       <p:sp>
         <p:nvSpPr>
           <p:cNvPr id="3075" name="Title 1">
@@ -4718,76 +4352,6 @@
           <a:chExt cx="0" cy="0"/>
         </a:xfrm>
       </p:grpSpPr>
-      <p:pic>
-        <p:nvPicPr>
-          <p:cNvPr id="4098" name="Picture 2">
-            <a:extLst>
-              <a:ext uri="{FF2B5EF4-FFF2-40B4-BE49-F238E27FC236}">
-                <a16:creationId xmlns:a16="http://schemas.microsoft.com/office/drawing/2014/main" id="{A96716DA-8FB6-4DD1-BD80-A313969D137B}"/>
-              </a:ext>
-            </a:extLst>
-          </p:cNvPr>
-          <p:cNvPicPr>
-            <a:picLocks noChangeAspect="1" noChangeArrowheads="1"/>
-          </p:cNvPicPr>
-          <p:nvPr/>
-        </p:nvPicPr>
-        <p:blipFill>
-          <a:blip r:embed="rId2">
-            <a:extLst>
-              <a:ext uri="{28A0092B-C50C-407E-A947-70E740481C1C}">
-                <a14:useLocalDpi xmlns:a14="http://schemas.microsoft.com/office/drawing/2010/main" val="0"/>
-              </a:ext>
-            </a:extLst>
-          </a:blip>
-          <a:srcRect/>
-          <a:stretch>
-            <a:fillRect/>
-          </a:stretch>
-        </p:blipFill>
-        <p:spPr bwMode="auto">
-          <a:xfrm>
-            <a:off x="7956550" y="4606925"/>
-            <a:ext cx="1081088" cy="450850"/>
-          </a:xfrm>
-          <a:prstGeom prst="rect">
-            <a:avLst/>
-          </a:prstGeom>
-          <a:noFill/>
-          <a:ln>
-            <a:noFill/>
-          </a:ln>
-          <a:effectLst/>
-          <a:extLst>
-            <a:ext uri="{909E8E84-426E-40DD-AFC4-6F175D3DCCD1}">
-              <a14:hiddenFill xmlns:a14="http://schemas.microsoft.com/office/drawing/2010/main">
-                <a:solidFill>
-                  <a:srgbClr val="FFFFFF"/>
-                </a:solidFill>
-              </a14:hiddenFill>
-            </a:ext>
-            <a:ext uri="{91240B29-F687-4F45-9708-019B960494DF}">
-              <a14:hiddenLine xmlns:a14="http://schemas.microsoft.com/office/drawing/2010/main" w="9525">
-                <a:solidFill>
-                  <a:srgbClr val="000000"/>
-                </a:solidFill>
-                <a:miter lim="800000"/>
-                <a:headEnd/>
-                <a:tailEnd/>
-              </a14:hiddenLine>
-            </a:ext>
-            <a:ext uri="{AF507438-7753-43E0-B8FC-AC1667EBCBE1}">
-              <a14:hiddenEffects xmlns:a14="http://schemas.microsoft.com/office/drawing/2010/main">
-                <a:effectLst>
-                  <a:outerShdw dist="35921" dir="2700000" algn="ctr" rotWithShape="0">
-                    <a:srgbClr val="808080"/>
-                  </a:outerShdw>
-                </a:effectLst>
-              </a14:hiddenEffects>
-            </a:ext>
-          </a:extLst>
-        </p:spPr>
-      </p:pic>
       <p:sp>
         <p:nvSpPr>
           <p:cNvPr id="4099" name="Title 1">
@@ -5168,76 +4732,6 @@
           <a:chExt cx="0" cy="0"/>
         </a:xfrm>
       </p:grpSpPr>
-      <p:pic>
-        <p:nvPicPr>
-          <p:cNvPr id="5122" name="Picture 2">
-            <a:extLst>
-              <a:ext uri="{FF2B5EF4-FFF2-40B4-BE49-F238E27FC236}">
-                <a16:creationId xmlns:a16="http://schemas.microsoft.com/office/drawing/2014/main" id="{77675A89-1D2C-46E7-BFAB-69B33442F31E}"/>
-              </a:ext>
-            </a:extLst>
-          </p:cNvPr>
-          <p:cNvPicPr>
-            <a:picLocks noChangeAspect="1" noChangeArrowheads="1"/>
-          </p:cNvPicPr>
-          <p:nvPr/>
-        </p:nvPicPr>
-        <p:blipFill>
-          <a:blip r:embed="rId2">
-            <a:extLst>
-              <a:ext uri="{28A0092B-C50C-407E-A947-70E740481C1C}">
-                <a14:useLocalDpi xmlns:a14="http://schemas.microsoft.com/office/drawing/2010/main" val="0"/>
-              </a:ext>
-            </a:extLst>
-          </a:blip>
-          <a:srcRect/>
-          <a:stretch>
-            <a:fillRect/>
-          </a:stretch>
-        </p:blipFill>
-        <p:spPr bwMode="auto">
-          <a:xfrm>
-            <a:off x="7956550" y="4606925"/>
-            <a:ext cx="1081088" cy="450850"/>
-          </a:xfrm>
-          <a:prstGeom prst="rect">
-            <a:avLst/>
-          </a:prstGeom>
-          <a:noFill/>
-          <a:ln>
-            <a:noFill/>
-          </a:ln>
-          <a:effectLst/>
-          <a:extLst>
-            <a:ext uri="{909E8E84-426E-40DD-AFC4-6F175D3DCCD1}">
-              <a14:hiddenFill xmlns:a14="http://schemas.microsoft.com/office/drawing/2010/main">
-                <a:solidFill>
-                  <a:srgbClr val="FFFFFF"/>
-                </a:solidFill>
-              </a14:hiddenFill>
-            </a:ext>
-            <a:ext uri="{91240B29-F687-4F45-9708-019B960494DF}">
-              <a14:hiddenLine xmlns:a14="http://schemas.microsoft.com/office/drawing/2010/main" w="9525">
-                <a:solidFill>
-                  <a:srgbClr val="000000"/>
-                </a:solidFill>
-                <a:miter lim="800000"/>
-                <a:headEnd/>
-                <a:tailEnd/>
-              </a14:hiddenLine>
-            </a:ext>
-            <a:ext uri="{AF507438-7753-43E0-B8FC-AC1667EBCBE1}">
-              <a14:hiddenEffects xmlns:a14="http://schemas.microsoft.com/office/drawing/2010/main">
-                <a:effectLst>
-                  <a:outerShdw dist="35921" dir="2700000" algn="ctr" rotWithShape="0">
-                    <a:srgbClr val="808080"/>
-                  </a:outerShdw>
-                </a:effectLst>
-              </a14:hiddenEffects>
-            </a:ext>
-          </a:extLst>
-        </p:spPr>
-      </p:pic>
       <p:sp>
         <p:nvSpPr>
           <p:cNvPr id="5123" name="Title 1">
@@ -5737,76 +5231,6 @@
           <a:chExt cx="0" cy="0"/>
         </a:xfrm>
       </p:grpSpPr>
-      <p:pic>
-        <p:nvPicPr>
-          <p:cNvPr id="6146" name="Picture 2">
-            <a:extLst>
-              <a:ext uri="{FF2B5EF4-FFF2-40B4-BE49-F238E27FC236}">
-                <a16:creationId xmlns:a16="http://schemas.microsoft.com/office/drawing/2014/main" id="{56956F53-07FC-43D2-9F61-B22C8D84228B}"/>
-              </a:ext>
-            </a:extLst>
-          </p:cNvPr>
-          <p:cNvPicPr>
-            <a:picLocks noChangeAspect="1" noChangeArrowheads="1"/>
-          </p:cNvPicPr>
-          <p:nvPr/>
-        </p:nvPicPr>
-        <p:blipFill>
-          <a:blip r:embed="rId2">
-            <a:extLst>
-              <a:ext uri="{28A0092B-C50C-407E-A947-70E740481C1C}">
-                <a14:useLocalDpi xmlns:a14="http://schemas.microsoft.com/office/drawing/2010/main" val="0"/>
-              </a:ext>
-            </a:extLst>
-          </a:blip>
-          <a:srcRect/>
-          <a:stretch>
-            <a:fillRect/>
-          </a:stretch>
-        </p:blipFill>
-        <p:spPr bwMode="auto">
-          <a:xfrm>
-            <a:off x="7956550" y="4606925"/>
-            <a:ext cx="1081088" cy="450850"/>
-          </a:xfrm>
-          <a:prstGeom prst="rect">
-            <a:avLst/>
-          </a:prstGeom>
-          <a:noFill/>
-          <a:ln>
-            <a:noFill/>
-          </a:ln>
-          <a:effectLst/>
-          <a:extLst>
-            <a:ext uri="{909E8E84-426E-40DD-AFC4-6F175D3DCCD1}">
-              <a14:hiddenFill xmlns:a14="http://schemas.microsoft.com/office/drawing/2010/main">
-                <a:solidFill>
-                  <a:srgbClr val="FFFFFF"/>
-                </a:solidFill>
-              </a14:hiddenFill>
-            </a:ext>
-            <a:ext uri="{91240B29-F687-4F45-9708-019B960494DF}">
-              <a14:hiddenLine xmlns:a14="http://schemas.microsoft.com/office/drawing/2010/main" w="9525">
-                <a:solidFill>
-                  <a:srgbClr val="000000"/>
-                </a:solidFill>
-                <a:miter lim="800000"/>
-                <a:headEnd/>
-                <a:tailEnd/>
-              </a14:hiddenLine>
-            </a:ext>
-            <a:ext uri="{AF507438-7753-43E0-B8FC-AC1667EBCBE1}">
-              <a14:hiddenEffects xmlns:a14="http://schemas.microsoft.com/office/drawing/2010/main">
-                <a:effectLst>
-                  <a:outerShdw dist="35921" dir="2700000" algn="ctr" rotWithShape="0">
-                    <a:srgbClr val="808080"/>
-                  </a:outerShdw>
-                </a:effectLst>
-              </a14:hiddenEffects>
-            </a:ext>
-          </a:extLst>
-        </p:spPr>
-      </p:pic>
       <p:sp>
         <p:nvSpPr>
           <p:cNvPr id="6147" name="Title 1">
@@ -6386,76 +5810,6 @@
           <a:chExt cx="0" cy="0"/>
         </a:xfrm>
       </p:grpSpPr>
-      <p:pic>
-        <p:nvPicPr>
-          <p:cNvPr id="7170" name="Picture 2">
-            <a:extLst>
-              <a:ext uri="{FF2B5EF4-FFF2-40B4-BE49-F238E27FC236}">
-                <a16:creationId xmlns:a16="http://schemas.microsoft.com/office/drawing/2014/main" id="{393A4E1C-4E15-41CF-8EF0-D8D70E78B3C1}"/>
-              </a:ext>
-            </a:extLst>
-          </p:cNvPr>
-          <p:cNvPicPr>
-            <a:picLocks noChangeAspect="1" noChangeArrowheads="1"/>
-          </p:cNvPicPr>
-          <p:nvPr/>
-        </p:nvPicPr>
-        <p:blipFill>
-          <a:blip r:embed="rId2">
-            <a:extLst>
-              <a:ext uri="{28A0092B-C50C-407E-A947-70E740481C1C}">
-                <a14:useLocalDpi xmlns:a14="http://schemas.microsoft.com/office/drawing/2010/main" val="0"/>
-              </a:ext>
-            </a:extLst>
-          </a:blip>
-          <a:srcRect/>
-          <a:stretch>
-            <a:fillRect/>
-          </a:stretch>
-        </p:blipFill>
-        <p:spPr bwMode="auto">
-          <a:xfrm>
-            <a:off x="7956550" y="4606925"/>
-            <a:ext cx="1081088" cy="450850"/>
-          </a:xfrm>
-          <a:prstGeom prst="rect">
-            <a:avLst/>
-          </a:prstGeom>
-          <a:noFill/>
-          <a:ln>
-            <a:noFill/>
-          </a:ln>
-          <a:effectLst/>
-          <a:extLst>
-            <a:ext uri="{909E8E84-426E-40DD-AFC4-6F175D3DCCD1}">
-              <a14:hiddenFill xmlns:a14="http://schemas.microsoft.com/office/drawing/2010/main">
-                <a:solidFill>
-                  <a:srgbClr val="FFFFFF"/>
-                </a:solidFill>
-              </a14:hiddenFill>
-            </a:ext>
-            <a:ext uri="{91240B29-F687-4F45-9708-019B960494DF}">
-              <a14:hiddenLine xmlns:a14="http://schemas.microsoft.com/office/drawing/2010/main" w="9525">
-                <a:solidFill>
-                  <a:srgbClr val="000000"/>
-                </a:solidFill>
-                <a:miter lim="800000"/>
-                <a:headEnd/>
-                <a:tailEnd/>
-              </a14:hiddenLine>
-            </a:ext>
-            <a:ext uri="{AF507438-7753-43E0-B8FC-AC1667EBCBE1}">
-              <a14:hiddenEffects xmlns:a14="http://schemas.microsoft.com/office/drawing/2010/main">
-                <a:effectLst>
-                  <a:outerShdw dist="35921" dir="2700000" algn="ctr" rotWithShape="0">
-                    <a:srgbClr val="808080"/>
-                  </a:outerShdw>
-                </a:effectLst>
-              </a14:hiddenEffects>
-            </a:ext>
-          </a:extLst>
-        </p:spPr>
-      </p:pic>
       <p:sp>
         <p:nvSpPr>
           <p:cNvPr id="7171" name="Title 1">
@@ -6852,7 +6206,7 @@
           <p:nvPr/>
         </p:nvPicPr>
         <p:blipFill>
-          <a:blip r:embed="rId3">
+          <a:blip r:embed="rId2">
             <a:extLst>
               <a:ext uri="{28A0092B-C50C-407E-A947-70E740481C1C}">
                 <a14:useLocalDpi xmlns:a14="http://schemas.microsoft.com/office/drawing/2010/main" val="0"/>
@@ -6922,76 +6276,6 @@
           <a:chExt cx="0" cy="0"/>
         </a:xfrm>
       </p:grpSpPr>
-      <p:pic>
-        <p:nvPicPr>
-          <p:cNvPr id="7170" name="Picture 2">
-            <a:extLst>
-              <a:ext uri="{FF2B5EF4-FFF2-40B4-BE49-F238E27FC236}">
-                <a16:creationId xmlns:a16="http://schemas.microsoft.com/office/drawing/2014/main" id="{393A4E1C-4E15-41CF-8EF0-D8D70E78B3C1}"/>
-              </a:ext>
-            </a:extLst>
-          </p:cNvPr>
-          <p:cNvPicPr>
-            <a:picLocks noChangeAspect="1" noChangeArrowheads="1"/>
-          </p:cNvPicPr>
-          <p:nvPr/>
-        </p:nvPicPr>
-        <p:blipFill>
-          <a:blip r:embed="rId2">
-            <a:extLst>
-              <a:ext uri="{28A0092B-C50C-407E-A947-70E740481C1C}">
-                <a14:useLocalDpi xmlns:a14="http://schemas.microsoft.com/office/drawing/2010/main" val="0"/>
-              </a:ext>
-            </a:extLst>
-          </a:blip>
-          <a:srcRect/>
-          <a:stretch>
-            <a:fillRect/>
-          </a:stretch>
-        </p:blipFill>
-        <p:spPr bwMode="auto">
-          <a:xfrm>
-            <a:off x="7956550" y="4606925"/>
-            <a:ext cx="1081088" cy="450850"/>
-          </a:xfrm>
-          <a:prstGeom prst="rect">
-            <a:avLst/>
-          </a:prstGeom>
-          <a:noFill/>
-          <a:ln>
-            <a:noFill/>
-          </a:ln>
-          <a:effectLst/>
-          <a:extLst>
-            <a:ext uri="{909E8E84-426E-40DD-AFC4-6F175D3DCCD1}">
-              <a14:hiddenFill xmlns:a14="http://schemas.microsoft.com/office/drawing/2010/main">
-                <a:solidFill>
-                  <a:srgbClr val="FFFFFF"/>
-                </a:solidFill>
-              </a14:hiddenFill>
-            </a:ext>
-            <a:ext uri="{91240B29-F687-4F45-9708-019B960494DF}">
-              <a14:hiddenLine xmlns:a14="http://schemas.microsoft.com/office/drawing/2010/main" w="9525">
-                <a:solidFill>
-                  <a:srgbClr val="000000"/>
-                </a:solidFill>
-                <a:miter lim="800000"/>
-                <a:headEnd/>
-                <a:tailEnd/>
-              </a14:hiddenLine>
-            </a:ext>
-            <a:ext uri="{AF507438-7753-43E0-B8FC-AC1667EBCBE1}">
-              <a14:hiddenEffects xmlns:a14="http://schemas.microsoft.com/office/drawing/2010/main">
-                <a:effectLst>
-                  <a:outerShdw dist="35921" dir="2700000" algn="ctr" rotWithShape="0">
-                    <a:srgbClr val="808080"/>
-                  </a:outerShdw>
-                </a:effectLst>
-              </a14:hiddenEffects>
-            </a:ext>
-          </a:extLst>
-        </p:spPr>
-      </p:pic>
       <p:sp>
         <p:nvSpPr>
           <p:cNvPr id="7171" name="Title 1">
@@ -7305,7 +6589,7 @@
                 </a:solidFill>
                 <a:latin typeface="微软雅黑 Light" panose="020B0502040204020203" pitchFamily="34" charset="-122"/>
                 <a:ea typeface="微软雅黑 Light" panose="020B0502040204020203" pitchFamily="34" charset="-122"/>
-                <a:hlinkClick r:id="rId3"/>
+                <a:hlinkClick r:id="rId2"/>
               </a:rPr>
               <a:t>https://github.com/EDUCourseSeries/ComputerGraphicsBasics.git</a:t>
             </a:r>
@@ -7381,7 +6665,7 @@
                 </a:solidFill>
                 <a:latin typeface="微软雅黑 Light" panose="020B0502040204020203" pitchFamily="34" charset="-122"/>
                 <a:ea typeface="微软雅黑 Light" panose="020B0502040204020203" pitchFamily="34" charset="-122"/>
-                <a:hlinkClick r:id="rId4"/>
+                <a:hlinkClick r:id="rId3"/>
               </a:rPr>
               <a:t>educourse@163.com</a:t>
             </a:r>
@@ -7484,33 +6768,7 @@
                 <a:latin typeface="微软雅黑 Light" panose="020B0502040204020203" pitchFamily="34" charset="-122"/>
                 <a:ea typeface="微软雅黑 Light" panose="020B0502040204020203" pitchFamily="34" charset="-122"/>
               </a:rPr>
-              <a:t> （请注明：</a:t>
-            </a:r>
-            <a:r>
-              <a:rPr lang="en-US" altLang="zh-CN" sz="1800" dirty="0">
-                <a:solidFill>
-                  <a:schemeClr val="tx1">
-                    <a:lumMod val="65000"/>
-                    <a:lumOff val="35000"/>
-                  </a:schemeClr>
-                </a:solidFill>
-                <a:latin typeface="微软雅黑 Light" panose="020B0502040204020203" pitchFamily="34" charset="-122"/>
-                <a:ea typeface="微软雅黑 Light" panose="020B0502040204020203" pitchFamily="34" charset="-122"/>
-              </a:rPr>
-              <a:t>CSDN</a:t>
-            </a:r>
-            <a:r>
-              <a:rPr lang="zh-CN" altLang="en-US" sz="1800" dirty="0">
-                <a:solidFill>
-                  <a:schemeClr val="tx1">
-                    <a:lumMod val="65000"/>
-                    <a:lumOff val="35000"/>
-                  </a:schemeClr>
-                </a:solidFill>
-                <a:latin typeface="微软雅黑 Light" panose="020B0502040204020203" pitchFamily="34" charset="-122"/>
-                <a:ea typeface="微软雅黑 Light" panose="020B0502040204020203" pitchFamily="34" charset="-122"/>
-              </a:rPr>
-              <a:t>学院）</a:t>
+              <a:t> （请注明：网易云课堂）</a:t>
             </a:r>
             <a:br>
               <a:rPr lang="en-US" altLang="zh-CN" sz="1800" dirty="0">
@@ -7567,72 +6825,12 @@
           <a:chExt cx="0" cy="0"/>
         </a:xfrm>
       </p:grpSpPr>
-      <p:pic>
-        <p:nvPicPr>
-          <p:cNvPr id="8194" name="Picture 2" descr="D:\work\CSDN学院ppt\5.jpg">
-            <a:extLst>
-              <a:ext uri="{FF2B5EF4-FFF2-40B4-BE49-F238E27FC236}">
-                <a16:creationId xmlns:a16="http://schemas.microsoft.com/office/drawing/2014/main" id="{B8DC438E-25CF-4B61-AB39-F4056CC90CF9}"/>
-              </a:ext>
-            </a:extLst>
-          </p:cNvPr>
-          <p:cNvPicPr>
-            <a:picLocks noChangeAspect="1" noChangeArrowheads="1"/>
-          </p:cNvPicPr>
-          <p:nvPr/>
-        </p:nvPicPr>
-        <p:blipFill>
-          <a:blip r:embed="rId2">
-            <a:extLst>
-              <a:ext uri="{28A0092B-C50C-407E-A947-70E740481C1C}">
-                <a14:useLocalDpi xmlns:a14="http://schemas.microsoft.com/office/drawing/2010/main" val="0"/>
-              </a:ext>
-            </a:extLst>
-          </a:blip>
-          <a:srcRect/>
-          <a:stretch>
-            <a:fillRect/>
-          </a:stretch>
-        </p:blipFill>
-        <p:spPr bwMode="auto">
-          <a:xfrm>
-            <a:off x="0" y="0"/>
-            <a:ext cx="9140825" cy="5141913"/>
-          </a:xfrm>
-          <a:prstGeom prst="rect">
-            <a:avLst/>
-          </a:prstGeom>
-          <a:noFill/>
-          <a:ln>
-            <a:noFill/>
-          </a:ln>
-          <a:extLst>
-            <a:ext uri="{909E8E84-426E-40DD-AFC4-6F175D3DCCD1}">
-              <a14:hiddenFill xmlns:a14="http://schemas.microsoft.com/office/drawing/2010/main">
-                <a:solidFill>
-                  <a:srgbClr val="FFFFFF"/>
-                </a:solidFill>
-              </a14:hiddenFill>
-            </a:ext>
-            <a:ext uri="{91240B29-F687-4F45-9708-019B960494DF}">
-              <a14:hiddenLine xmlns:a14="http://schemas.microsoft.com/office/drawing/2010/main" w="9525">
-                <a:solidFill>
-                  <a:srgbClr val="000000"/>
-                </a:solidFill>
-                <a:miter lim="800000"/>
-                <a:headEnd/>
-                <a:tailEnd/>
-              </a14:hiddenLine>
-            </a:ext>
-          </a:extLst>
-        </p:spPr>
-      </p:pic>
       <p:sp>
         <p:nvSpPr>
           <p:cNvPr id="8195" name="Title 1">
             <a:extLst>
               <a:ext uri="{FF2B5EF4-FFF2-40B4-BE49-F238E27FC236}">
-                <a16:creationId xmlns:a16="http://schemas.microsoft.com/office/drawing/2014/main" id="{286BEDC2-5DE8-461F-A660-C112CAD8CFF7}"/>
+                <a16:creationId xmlns:a16="http://schemas.microsoft.com/office/drawing/2014/main" id="{94DB3CD8-71FB-4967-8D16-B8CA33DD3B35}"/>
               </a:ext>
             </a:extLst>
           </p:cNvPr>
@@ -7817,778 +7015,10 @@
       </p:sp>
       <p:sp>
         <p:nvSpPr>
-          <p:cNvPr id="8196" name="矩形 3">
-            <a:extLst>
-              <a:ext uri="{FF2B5EF4-FFF2-40B4-BE49-F238E27FC236}">
-                <a16:creationId xmlns:a16="http://schemas.microsoft.com/office/drawing/2014/main" id="{85FF1B7D-5D11-4B34-8C6E-311CF7F0C97C}"/>
-              </a:ext>
-            </a:extLst>
-          </p:cNvPr>
-          <p:cNvSpPr>
-            <a:spLocks noChangeArrowheads="1"/>
-          </p:cNvSpPr>
-          <p:nvPr/>
-        </p:nvSpPr>
-        <p:spPr bwMode="auto">
-          <a:xfrm>
-            <a:off x="4357688" y="3019425"/>
-            <a:ext cx="2662237" cy="923925"/>
-          </a:xfrm>
-          <a:prstGeom prst="rect">
-            <a:avLst/>
-          </a:prstGeom>
-          <a:noFill/>
-          <a:ln>
-            <a:noFill/>
-          </a:ln>
-          <a:extLst>
-            <a:ext uri="{909E8E84-426E-40DD-AFC4-6F175D3DCCD1}">
-              <a14:hiddenFill xmlns:a14="http://schemas.microsoft.com/office/drawing/2010/main">
-                <a:solidFill>
-                  <a:srgbClr val="FFFFFF"/>
-                </a:solidFill>
-              </a14:hiddenFill>
-            </a:ext>
-            <a:ext uri="{91240B29-F687-4F45-9708-019B960494DF}">
-              <a14:hiddenLine xmlns:a14="http://schemas.microsoft.com/office/drawing/2010/main" w="9525">
-                <a:solidFill>
-                  <a:srgbClr val="000000"/>
-                </a:solidFill>
-                <a:miter lim="800000"/>
-                <a:headEnd/>
-                <a:tailEnd/>
-              </a14:hiddenLine>
-            </a:ext>
-          </a:extLst>
-        </p:spPr>
-        <p:txBody>
-          <a:bodyPr>
-            <a:spAutoFit/>
-          </a:bodyPr>
-          <a:lstStyle>
-            <a:lvl1pPr>
-              <a:buFont typeface="Arial" panose="020B0604020202020204" pitchFamily="34" charset="0"/>
-              <a:defRPr>
-                <a:solidFill>
-                  <a:schemeClr val="tx1"/>
-                </a:solidFill>
-                <a:latin typeface="Arial" panose="020B0604020202020204" pitchFamily="34" charset="0"/>
-                <a:ea typeface="宋体" panose="02010600030101010101" pitchFamily="2" charset="-122"/>
-              </a:defRPr>
-            </a:lvl1pPr>
-            <a:lvl2pPr marL="742950" indent="-285750">
-              <a:buFont typeface="Arial" panose="020B0604020202020204" pitchFamily="34" charset="0"/>
-              <a:defRPr>
-                <a:solidFill>
-                  <a:schemeClr val="tx1"/>
-                </a:solidFill>
-                <a:latin typeface="Arial" panose="020B0604020202020204" pitchFamily="34" charset="0"/>
-                <a:ea typeface="宋体" panose="02010600030101010101" pitchFamily="2" charset="-122"/>
-              </a:defRPr>
-            </a:lvl2pPr>
-            <a:lvl3pPr marL="1143000" indent="-228600">
-              <a:buFont typeface="Arial" panose="020B0604020202020204" pitchFamily="34" charset="0"/>
-              <a:defRPr>
-                <a:solidFill>
-                  <a:schemeClr val="tx1"/>
-                </a:solidFill>
-                <a:latin typeface="Arial" panose="020B0604020202020204" pitchFamily="34" charset="0"/>
-                <a:ea typeface="宋体" panose="02010600030101010101" pitchFamily="2" charset="-122"/>
-              </a:defRPr>
-            </a:lvl3pPr>
-            <a:lvl4pPr marL="1600200" indent="-228600">
-              <a:buFont typeface="Arial" panose="020B0604020202020204" pitchFamily="34" charset="0"/>
-              <a:defRPr>
-                <a:solidFill>
-                  <a:schemeClr val="tx1"/>
-                </a:solidFill>
-                <a:latin typeface="Arial" panose="020B0604020202020204" pitchFamily="34" charset="0"/>
-                <a:ea typeface="宋体" panose="02010600030101010101" pitchFamily="2" charset="-122"/>
-              </a:defRPr>
-            </a:lvl4pPr>
-            <a:lvl5pPr marL="2057400" indent="-228600">
-              <a:buFont typeface="Arial" panose="020B0604020202020204" pitchFamily="34" charset="0"/>
-              <a:defRPr>
-                <a:solidFill>
-                  <a:schemeClr val="tx1"/>
-                </a:solidFill>
-                <a:latin typeface="Arial" panose="020B0604020202020204" pitchFamily="34" charset="0"/>
-                <a:ea typeface="宋体" panose="02010600030101010101" pitchFamily="2" charset="-122"/>
-              </a:defRPr>
-            </a:lvl5pPr>
-            <a:lvl6pPr marL="2514600" indent="-228600" eaLnBrk="0" fontAlgn="base" hangingPunct="0">
-              <a:spcBef>
-                <a:spcPct val="0"/>
-              </a:spcBef>
-              <a:spcAft>
-                <a:spcPct val="0"/>
-              </a:spcAft>
-              <a:buFont typeface="Arial" panose="020B0604020202020204" pitchFamily="34" charset="0"/>
-              <a:defRPr>
-                <a:solidFill>
-                  <a:schemeClr val="tx1"/>
-                </a:solidFill>
-                <a:latin typeface="Arial" panose="020B0604020202020204" pitchFamily="34" charset="0"/>
-                <a:ea typeface="宋体" panose="02010600030101010101" pitchFamily="2" charset="-122"/>
-              </a:defRPr>
-            </a:lvl6pPr>
-            <a:lvl7pPr marL="2971800" indent="-228600" eaLnBrk="0" fontAlgn="base" hangingPunct="0">
-              <a:spcBef>
-                <a:spcPct val="0"/>
-              </a:spcBef>
-              <a:spcAft>
-                <a:spcPct val="0"/>
-              </a:spcAft>
-              <a:buFont typeface="Arial" panose="020B0604020202020204" pitchFamily="34" charset="0"/>
-              <a:defRPr>
-                <a:solidFill>
-                  <a:schemeClr val="tx1"/>
-                </a:solidFill>
-                <a:latin typeface="Arial" panose="020B0604020202020204" pitchFamily="34" charset="0"/>
-                <a:ea typeface="宋体" panose="02010600030101010101" pitchFamily="2" charset="-122"/>
-              </a:defRPr>
-            </a:lvl7pPr>
-            <a:lvl8pPr marL="3429000" indent="-228600" eaLnBrk="0" fontAlgn="base" hangingPunct="0">
-              <a:spcBef>
-                <a:spcPct val="0"/>
-              </a:spcBef>
-              <a:spcAft>
-                <a:spcPct val="0"/>
-              </a:spcAft>
-              <a:buFont typeface="Arial" panose="020B0604020202020204" pitchFamily="34" charset="0"/>
-              <a:defRPr>
-                <a:solidFill>
-                  <a:schemeClr val="tx1"/>
-                </a:solidFill>
-                <a:latin typeface="Arial" panose="020B0604020202020204" pitchFamily="34" charset="0"/>
-                <a:ea typeface="宋体" panose="02010600030101010101" pitchFamily="2" charset="-122"/>
-              </a:defRPr>
-            </a:lvl8pPr>
-            <a:lvl9pPr marL="3886200" indent="-228600" eaLnBrk="0" fontAlgn="base" hangingPunct="0">
-              <a:spcBef>
-                <a:spcPct val="0"/>
-              </a:spcBef>
-              <a:spcAft>
-                <a:spcPct val="0"/>
-              </a:spcAft>
-              <a:buFont typeface="Arial" panose="020B0604020202020204" pitchFamily="34" charset="0"/>
-              <a:defRPr>
-                <a:solidFill>
-                  <a:schemeClr val="tx1"/>
-                </a:solidFill>
-                <a:latin typeface="Arial" panose="020B0604020202020204" pitchFamily="34" charset="0"/>
-                <a:ea typeface="宋体" panose="02010600030101010101" pitchFamily="2" charset="-122"/>
-              </a:defRPr>
-            </a:lvl9pPr>
-          </a:lstStyle>
-          <a:p>
-            <a:pPr eaLnBrk="1" hangingPunct="1"/>
-            <a:r>
-              <a:rPr lang="en-US" altLang="zh-CN" sz="900">
-                <a:solidFill>
-                  <a:srgbClr val="7F7F7F"/>
-                </a:solidFill>
-                <a:latin typeface="微软雅黑" panose="020B0503020204020204" pitchFamily="34" charset="-122"/>
-                <a:ea typeface="微软雅黑" panose="020B0503020204020204" pitchFamily="34" charset="-122"/>
-                <a:sym typeface="微软雅黑" panose="020B0503020204020204" pitchFamily="34" charset="-122"/>
-              </a:rPr>
-              <a:t>CSDN</a:t>
-            </a:r>
-            <a:r>
-              <a:rPr lang="zh-CN" altLang="en-US" sz="900">
-                <a:solidFill>
-                  <a:srgbClr val="7F7F7F"/>
-                </a:solidFill>
-                <a:latin typeface="微软雅黑" panose="020B0503020204020204" pitchFamily="34" charset="-122"/>
-                <a:ea typeface="微软雅黑" panose="020B0503020204020204" pitchFamily="34" charset="-122"/>
-                <a:sym typeface="微软雅黑" panose="020B0503020204020204" pitchFamily="34" charset="-122"/>
-              </a:rPr>
-              <a:t>网站：</a:t>
-            </a:r>
-            <a:r>
-              <a:rPr lang="en-US" altLang="zh-CN" sz="900">
-                <a:solidFill>
-                  <a:srgbClr val="7F7F7F"/>
-                </a:solidFill>
-                <a:latin typeface="微软雅黑" panose="020B0503020204020204" pitchFamily="34" charset="-122"/>
-                <a:ea typeface="微软雅黑" panose="020B0503020204020204" pitchFamily="34" charset="-122"/>
-                <a:sym typeface="微软雅黑" panose="020B0503020204020204" pitchFamily="34" charset="-122"/>
-              </a:rPr>
-              <a:t>www.csdn.net</a:t>
-            </a:r>
-            <a:endParaRPr lang="zh-CN" altLang="en-US" sz="900">
-              <a:solidFill>
-                <a:srgbClr val="7F7F7F"/>
-              </a:solidFill>
-              <a:latin typeface="微软雅黑" panose="020B0503020204020204" pitchFamily="34" charset="-122"/>
-              <a:ea typeface="微软雅黑" panose="020B0503020204020204" pitchFamily="34" charset="-122"/>
-              <a:sym typeface="微软雅黑" panose="020B0503020204020204" pitchFamily="34" charset="-122"/>
-            </a:endParaRPr>
-          </a:p>
-          <a:p>
-            <a:pPr eaLnBrk="1" hangingPunct="1"/>
-            <a:r>
-              <a:rPr lang="zh-CN" altLang="en-US" sz="900">
-                <a:solidFill>
-                  <a:srgbClr val="7F7F7F"/>
-                </a:solidFill>
-                <a:latin typeface="微软雅黑" panose="020B0503020204020204" pitchFamily="34" charset="-122"/>
-                <a:ea typeface="微软雅黑" panose="020B0503020204020204" pitchFamily="34" charset="-122"/>
-                <a:sym typeface="微软雅黑" panose="020B0503020204020204" pitchFamily="34" charset="-122"/>
-              </a:rPr>
-              <a:t>企业服务：</a:t>
-            </a:r>
-            <a:r>
-              <a:rPr lang="en-US" altLang="zh-CN" sz="900">
-                <a:solidFill>
-                  <a:srgbClr val="7F7F7F"/>
-                </a:solidFill>
-                <a:latin typeface="微软雅黑" panose="020B0503020204020204" pitchFamily="34" charset="-122"/>
-                <a:ea typeface="微软雅黑" panose="020B0503020204020204" pitchFamily="34" charset="-122"/>
-                <a:sym typeface="微软雅黑" panose="020B0503020204020204" pitchFamily="34" charset="-122"/>
-              </a:rPr>
-              <a:t>http://ems.csdn.net/</a:t>
-            </a:r>
-            <a:endParaRPr lang="zh-CN" altLang="en-US" sz="900">
-              <a:solidFill>
-                <a:srgbClr val="7F7F7F"/>
-              </a:solidFill>
-              <a:latin typeface="微软雅黑" panose="020B0503020204020204" pitchFamily="34" charset="-122"/>
-              <a:ea typeface="微软雅黑" panose="020B0503020204020204" pitchFamily="34" charset="-122"/>
-              <a:sym typeface="微软雅黑" panose="020B0503020204020204" pitchFamily="34" charset="-122"/>
-            </a:endParaRPr>
-          </a:p>
-          <a:p>
-            <a:pPr eaLnBrk="1" hangingPunct="1"/>
-            <a:r>
-              <a:rPr lang="zh-CN" altLang="en-US" sz="900">
-                <a:solidFill>
-                  <a:srgbClr val="7F7F7F"/>
-                </a:solidFill>
-                <a:latin typeface="微软雅黑" panose="020B0503020204020204" pitchFamily="34" charset="-122"/>
-                <a:ea typeface="微软雅黑" panose="020B0503020204020204" pitchFamily="34" charset="-122"/>
-                <a:sym typeface="微软雅黑" panose="020B0503020204020204" pitchFamily="34" charset="-122"/>
-              </a:rPr>
-              <a:t>人才服务：</a:t>
-            </a:r>
-            <a:r>
-              <a:rPr lang="en-US" altLang="zh-CN" sz="900">
-                <a:solidFill>
-                  <a:srgbClr val="7F7F7F"/>
-                </a:solidFill>
-                <a:latin typeface="微软雅黑" panose="020B0503020204020204" pitchFamily="34" charset="-122"/>
-                <a:ea typeface="微软雅黑" panose="020B0503020204020204" pitchFamily="34" charset="-122"/>
-                <a:sym typeface="微软雅黑" panose="020B0503020204020204" pitchFamily="34" charset="-122"/>
-              </a:rPr>
-              <a:t>http://job.csdn.net/</a:t>
-            </a:r>
-            <a:endParaRPr lang="zh-CN" altLang="en-US" sz="900">
-              <a:solidFill>
-                <a:srgbClr val="7F7F7F"/>
-              </a:solidFill>
-              <a:latin typeface="微软雅黑" panose="020B0503020204020204" pitchFamily="34" charset="-122"/>
-              <a:ea typeface="微软雅黑" panose="020B0503020204020204" pitchFamily="34" charset="-122"/>
-              <a:sym typeface="微软雅黑" panose="020B0503020204020204" pitchFamily="34" charset="-122"/>
-            </a:endParaRPr>
-          </a:p>
-          <a:p>
-            <a:pPr eaLnBrk="1" hangingPunct="1"/>
-            <a:r>
-              <a:rPr lang="en-US" altLang="zh-CN" sz="900">
-                <a:solidFill>
-                  <a:srgbClr val="7F7F7F"/>
-                </a:solidFill>
-                <a:latin typeface="微软雅黑" panose="020B0503020204020204" pitchFamily="34" charset="-122"/>
-                <a:ea typeface="微软雅黑" panose="020B0503020204020204" pitchFamily="34" charset="-122"/>
-                <a:sym typeface="微软雅黑" panose="020B0503020204020204" pitchFamily="34" charset="-122"/>
-              </a:rPr>
-              <a:t>CTO</a:t>
-            </a:r>
-            <a:r>
-              <a:rPr lang="zh-CN" altLang="en-US" sz="900">
-                <a:solidFill>
-                  <a:srgbClr val="7F7F7F"/>
-                </a:solidFill>
-                <a:latin typeface="微软雅黑" panose="020B0503020204020204" pitchFamily="34" charset="-122"/>
-                <a:ea typeface="微软雅黑" panose="020B0503020204020204" pitchFamily="34" charset="-122"/>
-                <a:sym typeface="微软雅黑" panose="020B0503020204020204" pitchFamily="34" charset="-122"/>
-              </a:rPr>
-              <a:t>俱乐部：</a:t>
-            </a:r>
-            <a:r>
-              <a:rPr lang="en-US" altLang="zh-CN" sz="900">
-                <a:solidFill>
-                  <a:srgbClr val="7F7F7F"/>
-                </a:solidFill>
-                <a:latin typeface="微软雅黑" panose="020B0503020204020204" pitchFamily="34" charset="-122"/>
-                <a:ea typeface="微软雅黑" panose="020B0503020204020204" pitchFamily="34" charset="-122"/>
-                <a:sym typeface="微软雅黑" panose="020B0503020204020204" pitchFamily="34" charset="-122"/>
-              </a:rPr>
-              <a:t>http://cto.csdn.net/</a:t>
-            </a:r>
-            <a:endParaRPr lang="zh-CN" altLang="en-US" sz="900">
-              <a:solidFill>
-                <a:srgbClr val="7F7F7F"/>
-              </a:solidFill>
-              <a:latin typeface="微软雅黑" panose="020B0503020204020204" pitchFamily="34" charset="-122"/>
-              <a:ea typeface="微软雅黑" panose="020B0503020204020204" pitchFamily="34" charset="-122"/>
-              <a:sym typeface="微软雅黑" panose="020B0503020204020204" pitchFamily="34" charset="-122"/>
-            </a:endParaRPr>
-          </a:p>
-          <a:p>
-            <a:pPr eaLnBrk="1" hangingPunct="1"/>
-            <a:r>
-              <a:rPr lang="zh-CN" altLang="en-US" sz="900">
-                <a:solidFill>
-                  <a:srgbClr val="7F7F7F"/>
-                </a:solidFill>
-                <a:latin typeface="微软雅黑" panose="020B0503020204020204" pitchFamily="34" charset="-122"/>
-                <a:ea typeface="微软雅黑" panose="020B0503020204020204" pitchFamily="34" charset="-122"/>
-                <a:sym typeface="微软雅黑" panose="020B0503020204020204" pitchFamily="34" charset="-122"/>
-              </a:rPr>
-              <a:t>高校俱乐部：</a:t>
-            </a:r>
-            <a:r>
-              <a:rPr lang="en-US" altLang="zh-CN" sz="900">
-                <a:solidFill>
-                  <a:srgbClr val="7F7F7F"/>
-                </a:solidFill>
-                <a:latin typeface="微软雅黑" panose="020B0503020204020204" pitchFamily="34" charset="-122"/>
-                <a:ea typeface="微软雅黑" panose="020B0503020204020204" pitchFamily="34" charset="-122"/>
-                <a:sym typeface="微软雅黑" panose="020B0503020204020204" pitchFamily="34" charset="-122"/>
-              </a:rPr>
-              <a:t>http://student.csdn.net/</a:t>
-            </a:r>
-            <a:endParaRPr lang="zh-CN" altLang="en-US" sz="900">
-              <a:solidFill>
-                <a:srgbClr val="7F7F7F"/>
-              </a:solidFill>
-              <a:latin typeface="微软雅黑" panose="020B0503020204020204" pitchFamily="34" charset="-122"/>
-              <a:ea typeface="微软雅黑" panose="020B0503020204020204" pitchFamily="34" charset="-122"/>
-              <a:sym typeface="微软雅黑" panose="020B0503020204020204" pitchFamily="34" charset="-122"/>
-            </a:endParaRPr>
-          </a:p>
-          <a:p>
-            <a:pPr eaLnBrk="1" hangingPunct="1"/>
-            <a:r>
-              <a:rPr lang="zh-CN" altLang="en-US" sz="900">
-                <a:solidFill>
-                  <a:srgbClr val="7F7F7F"/>
-                </a:solidFill>
-                <a:latin typeface="微软雅黑" panose="020B0503020204020204" pitchFamily="34" charset="-122"/>
-                <a:ea typeface="微软雅黑" panose="020B0503020204020204" pitchFamily="34" charset="-122"/>
-                <a:sym typeface="微软雅黑" panose="020B0503020204020204" pitchFamily="34" charset="-122"/>
-              </a:rPr>
-              <a:t>程序员杂志：</a:t>
-            </a:r>
-            <a:r>
-              <a:rPr lang="en-US" altLang="zh-CN" sz="900">
-                <a:solidFill>
-                  <a:srgbClr val="7F7F7F"/>
-                </a:solidFill>
-                <a:latin typeface="微软雅黑" panose="020B0503020204020204" pitchFamily="34" charset="-122"/>
-                <a:ea typeface="微软雅黑" panose="020B0503020204020204" pitchFamily="34" charset="-122"/>
-                <a:sym typeface="微软雅黑" panose="020B0503020204020204" pitchFamily="34" charset="-122"/>
-              </a:rPr>
-              <a:t>http://programmer.csdn.net/</a:t>
-            </a:r>
-          </a:p>
-        </p:txBody>
-      </p:sp>
-      <p:sp>
-        <p:nvSpPr>
-          <p:cNvPr id="8197" name="矩形 4">
-            <a:extLst>
-              <a:ext uri="{FF2B5EF4-FFF2-40B4-BE49-F238E27FC236}">
-                <a16:creationId xmlns:a16="http://schemas.microsoft.com/office/drawing/2014/main" id="{913E705F-1AF2-4C10-BCBE-C98DAC143122}"/>
-              </a:ext>
-            </a:extLst>
-          </p:cNvPr>
-          <p:cNvSpPr>
-            <a:spLocks noChangeArrowheads="1"/>
-          </p:cNvSpPr>
-          <p:nvPr/>
-        </p:nvSpPr>
-        <p:spPr bwMode="auto">
-          <a:xfrm>
-            <a:off x="4368800" y="3952875"/>
-            <a:ext cx="4572000" cy="923925"/>
-          </a:xfrm>
-          <a:prstGeom prst="rect">
-            <a:avLst/>
-          </a:prstGeom>
-          <a:noFill/>
-          <a:ln>
-            <a:noFill/>
-          </a:ln>
-          <a:extLst>
-            <a:ext uri="{909E8E84-426E-40DD-AFC4-6F175D3DCCD1}">
-              <a14:hiddenFill xmlns:a14="http://schemas.microsoft.com/office/drawing/2010/main">
-                <a:solidFill>
-                  <a:srgbClr val="FFFFFF"/>
-                </a:solidFill>
-              </a14:hiddenFill>
-            </a:ext>
-            <a:ext uri="{91240B29-F687-4F45-9708-019B960494DF}">
-              <a14:hiddenLine xmlns:a14="http://schemas.microsoft.com/office/drawing/2010/main" w="9525">
-                <a:solidFill>
-                  <a:srgbClr val="000000"/>
-                </a:solidFill>
-                <a:miter lim="800000"/>
-                <a:headEnd/>
-                <a:tailEnd/>
-              </a14:hiddenLine>
-            </a:ext>
-          </a:extLst>
-        </p:spPr>
-        <p:txBody>
-          <a:bodyPr>
-            <a:spAutoFit/>
-          </a:bodyPr>
-          <a:lstStyle>
-            <a:lvl1pPr>
-              <a:buFont typeface="Arial" panose="020B0604020202020204" pitchFamily="34" charset="0"/>
-              <a:defRPr>
-                <a:solidFill>
-                  <a:schemeClr val="tx1"/>
-                </a:solidFill>
-                <a:latin typeface="Arial" panose="020B0604020202020204" pitchFamily="34" charset="0"/>
-                <a:ea typeface="宋体" panose="02010600030101010101" pitchFamily="2" charset="-122"/>
-              </a:defRPr>
-            </a:lvl1pPr>
-            <a:lvl2pPr marL="742950" indent="-285750">
-              <a:buFont typeface="Arial" panose="020B0604020202020204" pitchFamily="34" charset="0"/>
-              <a:defRPr>
-                <a:solidFill>
-                  <a:schemeClr val="tx1"/>
-                </a:solidFill>
-                <a:latin typeface="Arial" panose="020B0604020202020204" pitchFamily="34" charset="0"/>
-                <a:ea typeface="宋体" panose="02010600030101010101" pitchFamily="2" charset="-122"/>
-              </a:defRPr>
-            </a:lvl2pPr>
-            <a:lvl3pPr marL="1143000" indent="-228600">
-              <a:buFont typeface="Arial" panose="020B0604020202020204" pitchFamily="34" charset="0"/>
-              <a:defRPr>
-                <a:solidFill>
-                  <a:schemeClr val="tx1"/>
-                </a:solidFill>
-                <a:latin typeface="Arial" panose="020B0604020202020204" pitchFamily="34" charset="0"/>
-                <a:ea typeface="宋体" panose="02010600030101010101" pitchFamily="2" charset="-122"/>
-              </a:defRPr>
-            </a:lvl3pPr>
-            <a:lvl4pPr marL="1600200" indent="-228600">
-              <a:buFont typeface="Arial" panose="020B0604020202020204" pitchFamily="34" charset="0"/>
-              <a:defRPr>
-                <a:solidFill>
-                  <a:schemeClr val="tx1"/>
-                </a:solidFill>
-                <a:latin typeface="Arial" panose="020B0604020202020204" pitchFamily="34" charset="0"/>
-                <a:ea typeface="宋体" panose="02010600030101010101" pitchFamily="2" charset="-122"/>
-              </a:defRPr>
-            </a:lvl4pPr>
-            <a:lvl5pPr marL="2057400" indent="-228600">
-              <a:buFont typeface="Arial" panose="020B0604020202020204" pitchFamily="34" charset="0"/>
-              <a:defRPr>
-                <a:solidFill>
-                  <a:schemeClr val="tx1"/>
-                </a:solidFill>
-                <a:latin typeface="Arial" panose="020B0604020202020204" pitchFamily="34" charset="0"/>
-                <a:ea typeface="宋体" panose="02010600030101010101" pitchFamily="2" charset="-122"/>
-              </a:defRPr>
-            </a:lvl5pPr>
-            <a:lvl6pPr marL="2514600" indent="-228600" eaLnBrk="0" fontAlgn="base" hangingPunct="0">
-              <a:spcBef>
-                <a:spcPct val="0"/>
-              </a:spcBef>
-              <a:spcAft>
-                <a:spcPct val="0"/>
-              </a:spcAft>
-              <a:buFont typeface="Arial" panose="020B0604020202020204" pitchFamily="34" charset="0"/>
-              <a:defRPr>
-                <a:solidFill>
-                  <a:schemeClr val="tx1"/>
-                </a:solidFill>
-                <a:latin typeface="Arial" panose="020B0604020202020204" pitchFamily="34" charset="0"/>
-                <a:ea typeface="宋体" panose="02010600030101010101" pitchFamily="2" charset="-122"/>
-              </a:defRPr>
-            </a:lvl6pPr>
-            <a:lvl7pPr marL="2971800" indent="-228600" eaLnBrk="0" fontAlgn="base" hangingPunct="0">
-              <a:spcBef>
-                <a:spcPct val="0"/>
-              </a:spcBef>
-              <a:spcAft>
-                <a:spcPct val="0"/>
-              </a:spcAft>
-              <a:buFont typeface="Arial" panose="020B0604020202020204" pitchFamily="34" charset="0"/>
-              <a:defRPr>
-                <a:solidFill>
-                  <a:schemeClr val="tx1"/>
-                </a:solidFill>
-                <a:latin typeface="Arial" panose="020B0604020202020204" pitchFamily="34" charset="0"/>
-                <a:ea typeface="宋体" panose="02010600030101010101" pitchFamily="2" charset="-122"/>
-              </a:defRPr>
-            </a:lvl7pPr>
-            <a:lvl8pPr marL="3429000" indent="-228600" eaLnBrk="0" fontAlgn="base" hangingPunct="0">
-              <a:spcBef>
-                <a:spcPct val="0"/>
-              </a:spcBef>
-              <a:spcAft>
-                <a:spcPct val="0"/>
-              </a:spcAft>
-              <a:buFont typeface="Arial" panose="020B0604020202020204" pitchFamily="34" charset="0"/>
-              <a:defRPr>
-                <a:solidFill>
-                  <a:schemeClr val="tx1"/>
-                </a:solidFill>
-                <a:latin typeface="Arial" panose="020B0604020202020204" pitchFamily="34" charset="0"/>
-                <a:ea typeface="宋体" panose="02010600030101010101" pitchFamily="2" charset="-122"/>
-              </a:defRPr>
-            </a:lvl8pPr>
-            <a:lvl9pPr marL="3886200" indent="-228600" eaLnBrk="0" fontAlgn="base" hangingPunct="0">
-              <a:spcBef>
-                <a:spcPct val="0"/>
-              </a:spcBef>
-              <a:spcAft>
-                <a:spcPct val="0"/>
-              </a:spcAft>
-              <a:buFont typeface="Arial" panose="020B0604020202020204" pitchFamily="34" charset="0"/>
-              <a:defRPr>
-                <a:solidFill>
-                  <a:schemeClr val="tx1"/>
-                </a:solidFill>
-                <a:latin typeface="Arial" panose="020B0604020202020204" pitchFamily="34" charset="0"/>
-                <a:ea typeface="宋体" panose="02010600030101010101" pitchFamily="2" charset="-122"/>
-              </a:defRPr>
-            </a:lvl9pPr>
-          </a:lstStyle>
-          <a:p>
-            <a:pPr eaLnBrk="1" hangingPunct="1"/>
-            <a:r>
-              <a:rPr lang="en-US" altLang="zh-CN" sz="900">
-                <a:solidFill>
-                  <a:srgbClr val="7F7F7F"/>
-                </a:solidFill>
-                <a:latin typeface="微软雅黑" panose="020B0503020204020204" pitchFamily="34" charset="-122"/>
-                <a:ea typeface="微软雅黑" panose="020B0503020204020204" pitchFamily="34" charset="-122"/>
-                <a:sym typeface="微软雅黑" panose="020B0503020204020204" pitchFamily="34" charset="-122"/>
-              </a:rPr>
-              <a:t>CODE</a:t>
-            </a:r>
-            <a:r>
-              <a:rPr lang="zh-CN" altLang="en-US" sz="900">
-                <a:solidFill>
-                  <a:srgbClr val="7F7F7F"/>
-                </a:solidFill>
-                <a:latin typeface="微软雅黑" panose="020B0503020204020204" pitchFamily="34" charset="-122"/>
-                <a:ea typeface="微软雅黑" panose="020B0503020204020204" pitchFamily="34" charset="-122"/>
-                <a:sym typeface="微软雅黑" panose="020B0503020204020204" pitchFamily="34" charset="-122"/>
-              </a:rPr>
-              <a:t>平台：</a:t>
-            </a:r>
-            <a:r>
-              <a:rPr lang="en-US" altLang="zh-CN" sz="900">
-                <a:solidFill>
-                  <a:srgbClr val="7F7F7F"/>
-                </a:solidFill>
-                <a:latin typeface="微软雅黑" panose="020B0503020204020204" pitchFamily="34" charset="-122"/>
-                <a:ea typeface="微软雅黑" panose="020B0503020204020204" pitchFamily="34" charset="-122"/>
-                <a:sym typeface="微软雅黑" panose="020B0503020204020204" pitchFamily="34" charset="-122"/>
-              </a:rPr>
-              <a:t>https://code.csdn.net/</a:t>
-            </a:r>
-            <a:endParaRPr lang="zh-CN" altLang="en-US" sz="900">
-              <a:solidFill>
-                <a:srgbClr val="7F7F7F"/>
-              </a:solidFill>
-              <a:latin typeface="微软雅黑" panose="020B0503020204020204" pitchFamily="34" charset="-122"/>
-              <a:ea typeface="微软雅黑" panose="020B0503020204020204" pitchFamily="34" charset="-122"/>
-              <a:sym typeface="微软雅黑" panose="020B0503020204020204" pitchFamily="34" charset="-122"/>
-            </a:endParaRPr>
-          </a:p>
-          <a:p>
-            <a:pPr eaLnBrk="1" hangingPunct="1"/>
-            <a:r>
-              <a:rPr lang="zh-CN" altLang="en-US" sz="900">
-                <a:solidFill>
-                  <a:srgbClr val="7F7F7F"/>
-                </a:solidFill>
-                <a:latin typeface="微软雅黑" panose="020B0503020204020204" pitchFamily="34" charset="-122"/>
-                <a:ea typeface="微软雅黑" panose="020B0503020204020204" pitchFamily="34" charset="-122"/>
-                <a:sym typeface="微软雅黑" panose="020B0503020204020204" pitchFamily="34" charset="-122"/>
-              </a:rPr>
-              <a:t>项目外包：</a:t>
-            </a:r>
-            <a:r>
-              <a:rPr lang="en-US" altLang="zh-CN" sz="900">
-                <a:solidFill>
-                  <a:srgbClr val="7F7F7F"/>
-                </a:solidFill>
-                <a:latin typeface="微软雅黑" panose="020B0503020204020204" pitchFamily="34" charset="-122"/>
-                <a:ea typeface="微软雅黑" panose="020B0503020204020204" pitchFamily="34" charset="-122"/>
-                <a:sym typeface="微软雅黑" panose="020B0503020204020204" pitchFamily="34" charset="-122"/>
-              </a:rPr>
-              <a:t>http://www.csto.com/</a:t>
-            </a:r>
-            <a:endParaRPr lang="zh-CN" altLang="en-US" sz="900">
-              <a:solidFill>
-                <a:srgbClr val="7F7F7F"/>
-              </a:solidFill>
-              <a:latin typeface="微软雅黑" panose="020B0503020204020204" pitchFamily="34" charset="-122"/>
-              <a:ea typeface="微软雅黑" panose="020B0503020204020204" pitchFamily="34" charset="-122"/>
-              <a:sym typeface="微软雅黑" panose="020B0503020204020204" pitchFamily="34" charset="-122"/>
-            </a:endParaRPr>
-          </a:p>
-          <a:p>
-            <a:pPr eaLnBrk="1" hangingPunct="1"/>
-            <a:r>
-              <a:rPr lang="en-US" altLang="zh-CN" sz="900">
-                <a:solidFill>
-                  <a:srgbClr val="7F7F7F"/>
-                </a:solidFill>
-                <a:latin typeface="微软雅黑" panose="020B0503020204020204" pitchFamily="34" charset="-122"/>
-                <a:ea typeface="微软雅黑" panose="020B0503020204020204" pitchFamily="34" charset="-122"/>
-                <a:sym typeface="微软雅黑" panose="020B0503020204020204" pitchFamily="34" charset="-122"/>
-              </a:rPr>
-              <a:t>CSDN</a:t>
-            </a:r>
-            <a:r>
-              <a:rPr lang="zh-CN" altLang="en-US" sz="900">
-                <a:solidFill>
-                  <a:srgbClr val="7F7F7F"/>
-                </a:solidFill>
-                <a:latin typeface="微软雅黑" panose="020B0503020204020204" pitchFamily="34" charset="-122"/>
-                <a:ea typeface="微软雅黑" panose="020B0503020204020204" pitchFamily="34" charset="-122"/>
-                <a:sym typeface="微软雅黑" panose="020B0503020204020204" pitchFamily="34" charset="-122"/>
-              </a:rPr>
-              <a:t>博客：</a:t>
-            </a:r>
-            <a:r>
-              <a:rPr lang="en-US" altLang="zh-CN" sz="900">
-                <a:solidFill>
-                  <a:srgbClr val="7F7F7F"/>
-                </a:solidFill>
-                <a:latin typeface="微软雅黑" panose="020B0503020204020204" pitchFamily="34" charset="-122"/>
-                <a:ea typeface="微软雅黑" panose="020B0503020204020204" pitchFamily="34" charset="-122"/>
-                <a:sym typeface="微软雅黑" panose="020B0503020204020204" pitchFamily="34" charset="-122"/>
-              </a:rPr>
-              <a:t>http://blog.csdn.net/</a:t>
-            </a:r>
-            <a:endParaRPr lang="zh-CN" altLang="en-US" sz="900">
-              <a:solidFill>
-                <a:srgbClr val="7F7F7F"/>
-              </a:solidFill>
-              <a:latin typeface="微软雅黑" panose="020B0503020204020204" pitchFamily="34" charset="-122"/>
-              <a:ea typeface="微软雅黑" panose="020B0503020204020204" pitchFamily="34" charset="-122"/>
-              <a:sym typeface="微软雅黑" panose="020B0503020204020204" pitchFamily="34" charset="-122"/>
-            </a:endParaRPr>
-          </a:p>
-          <a:p>
-            <a:pPr eaLnBrk="1" hangingPunct="1"/>
-            <a:r>
-              <a:rPr lang="en-US" altLang="zh-CN" sz="900">
-                <a:solidFill>
-                  <a:srgbClr val="7F7F7F"/>
-                </a:solidFill>
-                <a:latin typeface="微软雅黑" panose="020B0503020204020204" pitchFamily="34" charset="-122"/>
-                <a:ea typeface="微软雅黑" panose="020B0503020204020204" pitchFamily="34" charset="-122"/>
-                <a:sym typeface="微软雅黑" panose="020B0503020204020204" pitchFamily="34" charset="-122"/>
-              </a:rPr>
-              <a:t>CSDN</a:t>
-            </a:r>
-            <a:r>
-              <a:rPr lang="zh-CN" altLang="en-US" sz="900">
-                <a:solidFill>
-                  <a:srgbClr val="7F7F7F"/>
-                </a:solidFill>
-                <a:latin typeface="微软雅黑" panose="020B0503020204020204" pitchFamily="34" charset="-122"/>
-                <a:ea typeface="微软雅黑" panose="020B0503020204020204" pitchFamily="34" charset="-122"/>
-                <a:sym typeface="微软雅黑" panose="020B0503020204020204" pitchFamily="34" charset="-122"/>
-              </a:rPr>
-              <a:t>论坛：</a:t>
-            </a:r>
-            <a:r>
-              <a:rPr lang="en-US" altLang="zh-CN" sz="900">
-                <a:solidFill>
-                  <a:srgbClr val="7F7F7F"/>
-                </a:solidFill>
-                <a:latin typeface="微软雅黑" panose="020B0503020204020204" pitchFamily="34" charset="-122"/>
-                <a:ea typeface="微软雅黑" panose="020B0503020204020204" pitchFamily="34" charset="-122"/>
-                <a:sym typeface="微软雅黑" panose="020B0503020204020204" pitchFamily="34" charset="-122"/>
-              </a:rPr>
-              <a:t>http://bbs.csdn.net/</a:t>
-            </a:r>
-            <a:endParaRPr lang="zh-CN" altLang="en-US" sz="900">
-              <a:solidFill>
-                <a:srgbClr val="7F7F7F"/>
-              </a:solidFill>
-              <a:latin typeface="微软雅黑" panose="020B0503020204020204" pitchFamily="34" charset="-122"/>
-              <a:ea typeface="微软雅黑" panose="020B0503020204020204" pitchFamily="34" charset="-122"/>
-              <a:sym typeface="微软雅黑" panose="020B0503020204020204" pitchFamily="34" charset="-122"/>
-            </a:endParaRPr>
-          </a:p>
-          <a:p>
-            <a:pPr eaLnBrk="1" hangingPunct="1"/>
-            <a:r>
-              <a:rPr lang="en-US" altLang="zh-CN" sz="900">
-                <a:solidFill>
-                  <a:srgbClr val="7F7F7F"/>
-                </a:solidFill>
-                <a:latin typeface="微软雅黑" panose="020B0503020204020204" pitchFamily="34" charset="-122"/>
-                <a:ea typeface="微软雅黑" panose="020B0503020204020204" pitchFamily="34" charset="-122"/>
-                <a:sym typeface="微软雅黑" panose="020B0503020204020204" pitchFamily="34" charset="-122"/>
-              </a:rPr>
-              <a:t>CSDN</a:t>
-            </a:r>
-            <a:r>
-              <a:rPr lang="zh-CN" altLang="en-US" sz="900">
-                <a:solidFill>
-                  <a:srgbClr val="7F7F7F"/>
-                </a:solidFill>
-                <a:latin typeface="微软雅黑" panose="020B0503020204020204" pitchFamily="34" charset="-122"/>
-                <a:ea typeface="微软雅黑" panose="020B0503020204020204" pitchFamily="34" charset="-122"/>
-                <a:sym typeface="微软雅黑" panose="020B0503020204020204" pitchFamily="34" charset="-122"/>
-              </a:rPr>
-              <a:t>下载：</a:t>
-            </a:r>
-            <a:r>
-              <a:rPr lang="en-US" altLang="zh-CN" sz="900">
-                <a:solidFill>
-                  <a:srgbClr val="7F7F7F"/>
-                </a:solidFill>
-                <a:latin typeface="微软雅黑" panose="020B0503020204020204" pitchFamily="34" charset="-122"/>
-                <a:ea typeface="微软雅黑" panose="020B0503020204020204" pitchFamily="34" charset="-122"/>
-                <a:sym typeface="微软雅黑" panose="020B0503020204020204" pitchFamily="34" charset="-122"/>
-              </a:rPr>
-              <a:t>http://download.csdn.net/</a:t>
-            </a:r>
-            <a:endParaRPr lang="en-US" altLang="zh-CN" sz="900" b="1">
-              <a:solidFill>
-                <a:srgbClr val="7F7F7F"/>
-              </a:solidFill>
-              <a:latin typeface="微软雅黑" panose="020B0503020204020204" pitchFamily="34" charset="-122"/>
-              <a:ea typeface="微软雅黑" panose="020B0503020204020204" pitchFamily="34" charset="-122"/>
-              <a:sym typeface="微软雅黑" panose="020B0503020204020204" pitchFamily="34" charset="-122"/>
-            </a:endParaRPr>
-          </a:p>
-          <a:p>
-            <a:pPr eaLnBrk="1" hangingPunct="1"/>
-            <a:endParaRPr lang="zh-CN" altLang="en-US" sz="900">
-              <a:solidFill>
-                <a:srgbClr val="7F7F7F"/>
-              </a:solidFill>
-              <a:latin typeface="微软雅黑" panose="020B0503020204020204" pitchFamily="34" charset="-122"/>
-              <a:ea typeface="微软雅黑" panose="020B0503020204020204" pitchFamily="34" charset="-122"/>
-              <a:sym typeface="微软雅黑" panose="020B0503020204020204" pitchFamily="34" charset="-122"/>
-            </a:endParaRPr>
-          </a:p>
-        </p:txBody>
-      </p:sp>
-      <p:sp>
-        <p:nvSpPr>
           <p:cNvPr id="8198" name="文本框 5">
             <a:extLst>
               <a:ext uri="{FF2B5EF4-FFF2-40B4-BE49-F238E27FC236}">
-                <a16:creationId xmlns:a16="http://schemas.microsoft.com/office/drawing/2014/main" id="{F4903B76-B509-412E-8C5B-4CF57CE28EFC}"/>
+                <a16:creationId xmlns:a16="http://schemas.microsoft.com/office/drawing/2014/main" id="{C3033956-A2A9-4D76-84E1-6F53E52FBB80}"/>
               </a:ext>
             </a:extLst>
           </p:cNvPr>
@@ -8784,77 +7214,259 @@
           </a:p>
         </p:txBody>
       </p:sp>
+      <p:sp>
+        <p:nvSpPr>
+          <p:cNvPr id="8" name="矩形 6">
+            <a:extLst>
+              <a:ext uri="{FF2B5EF4-FFF2-40B4-BE49-F238E27FC236}">
+                <a16:creationId xmlns:a16="http://schemas.microsoft.com/office/drawing/2014/main" id="{97019FA3-2921-442A-AC31-53F7EAE1803B}"/>
+              </a:ext>
+            </a:extLst>
+          </p:cNvPr>
+          <p:cNvSpPr>
+            <a:spLocks noChangeArrowheads="1"/>
+          </p:cNvSpPr>
+          <p:nvPr/>
+        </p:nvSpPr>
+        <p:spPr bwMode="auto">
+          <a:xfrm>
+            <a:off x="0" y="4622222"/>
+            <a:ext cx="9144000" cy="538162"/>
+          </a:xfrm>
+          <a:prstGeom prst="rect">
+            <a:avLst/>
+          </a:prstGeom>
+          <a:solidFill>
+            <a:srgbClr val="C00000"/>
+          </a:solidFill>
+          <a:ln>
+            <a:noFill/>
+          </a:ln>
+          <a:extLst>
+            <a:ext uri="{91240B29-F687-4F45-9708-019B960494DF}">
+              <a14:hiddenLine xmlns:a14="http://schemas.microsoft.com/office/drawing/2010/main" w="25400">
+                <a:solidFill>
+                  <a:srgbClr val="395E8A"/>
+                </a:solidFill>
+                <a:bevel/>
+                <a:headEnd/>
+                <a:tailEnd/>
+              </a14:hiddenLine>
+            </a:ext>
+          </a:extLst>
+        </p:spPr>
+        <p:txBody>
+          <a:bodyPr anchor="ctr"/>
+          <a:lstStyle>
+            <a:lvl1pPr>
+              <a:buFont typeface="Arial" panose="020B0604020202020204" pitchFamily="34" charset="0"/>
+              <a:defRPr>
+                <a:solidFill>
+                  <a:schemeClr val="tx1"/>
+                </a:solidFill>
+                <a:latin typeface="Arial" panose="020B0604020202020204" pitchFamily="34" charset="0"/>
+                <a:ea typeface="宋体" panose="02010600030101010101" pitchFamily="2" charset="-122"/>
+              </a:defRPr>
+            </a:lvl1pPr>
+            <a:lvl2pPr marL="742950" indent="-285750">
+              <a:buFont typeface="Arial" panose="020B0604020202020204" pitchFamily="34" charset="0"/>
+              <a:defRPr>
+                <a:solidFill>
+                  <a:schemeClr val="tx1"/>
+                </a:solidFill>
+                <a:latin typeface="Arial" panose="020B0604020202020204" pitchFamily="34" charset="0"/>
+                <a:ea typeface="宋体" panose="02010600030101010101" pitchFamily="2" charset="-122"/>
+              </a:defRPr>
+            </a:lvl2pPr>
+            <a:lvl3pPr marL="1143000" indent="-228600">
+              <a:buFont typeface="Arial" panose="020B0604020202020204" pitchFamily="34" charset="0"/>
+              <a:defRPr>
+                <a:solidFill>
+                  <a:schemeClr val="tx1"/>
+                </a:solidFill>
+                <a:latin typeface="Arial" panose="020B0604020202020204" pitchFamily="34" charset="0"/>
+                <a:ea typeface="宋体" panose="02010600030101010101" pitchFamily="2" charset="-122"/>
+              </a:defRPr>
+            </a:lvl3pPr>
+            <a:lvl4pPr marL="1600200" indent="-228600">
+              <a:buFont typeface="Arial" panose="020B0604020202020204" pitchFamily="34" charset="0"/>
+              <a:defRPr>
+                <a:solidFill>
+                  <a:schemeClr val="tx1"/>
+                </a:solidFill>
+                <a:latin typeface="Arial" panose="020B0604020202020204" pitchFamily="34" charset="0"/>
+                <a:ea typeface="宋体" panose="02010600030101010101" pitchFamily="2" charset="-122"/>
+              </a:defRPr>
+            </a:lvl4pPr>
+            <a:lvl5pPr marL="2057400" indent="-228600">
+              <a:buFont typeface="Arial" panose="020B0604020202020204" pitchFamily="34" charset="0"/>
+              <a:defRPr>
+                <a:solidFill>
+                  <a:schemeClr val="tx1"/>
+                </a:solidFill>
+                <a:latin typeface="Arial" panose="020B0604020202020204" pitchFamily="34" charset="0"/>
+                <a:ea typeface="宋体" panose="02010600030101010101" pitchFamily="2" charset="-122"/>
+              </a:defRPr>
+            </a:lvl5pPr>
+            <a:lvl6pPr marL="2514600" indent="-228600" eaLnBrk="0" fontAlgn="base" hangingPunct="0">
+              <a:spcBef>
+                <a:spcPct val="0"/>
+              </a:spcBef>
+              <a:spcAft>
+                <a:spcPct val="0"/>
+              </a:spcAft>
+              <a:buFont typeface="Arial" panose="020B0604020202020204" pitchFamily="34" charset="0"/>
+              <a:defRPr>
+                <a:solidFill>
+                  <a:schemeClr val="tx1"/>
+                </a:solidFill>
+                <a:latin typeface="Arial" panose="020B0604020202020204" pitchFamily="34" charset="0"/>
+                <a:ea typeface="宋体" panose="02010600030101010101" pitchFamily="2" charset="-122"/>
+              </a:defRPr>
+            </a:lvl6pPr>
+            <a:lvl7pPr marL="2971800" indent="-228600" eaLnBrk="0" fontAlgn="base" hangingPunct="0">
+              <a:spcBef>
+                <a:spcPct val="0"/>
+              </a:spcBef>
+              <a:spcAft>
+                <a:spcPct val="0"/>
+              </a:spcAft>
+              <a:buFont typeface="Arial" panose="020B0604020202020204" pitchFamily="34" charset="0"/>
+              <a:defRPr>
+                <a:solidFill>
+                  <a:schemeClr val="tx1"/>
+                </a:solidFill>
+                <a:latin typeface="Arial" panose="020B0604020202020204" pitchFamily="34" charset="0"/>
+                <a:ea typeface="宋体" panose="02010600030101010101" pitchFamily="2" charset="-122"/>
+              </a:defRPr>
+            </a:lvl7pPr>
+            <a:lvl8pPr marL="3429000" indent="-228600" eaLnBrk="0" fontAlgn="base" hangingPunct="0">
+              <a:spcBef>
+                <a:spcPct val="0"/>
+              </a:spcBef>
+              <a:spcAft>
+                <a:spcPct val="0"/>
+              </a:spcAft>
+              <a:buFont typeface="Arial" panose="020B0604020202020204" pitchFamily="34" charset="0"/>
+              <a:defRPr>
+                <a:solidFill>
+                  <a:schemeClr val="tx1"/>
+                </a:solidFill>
+                <a:latin typeface="Arial" panose="020B0604020202020204" pitchFamily="34" charset="0"/>
+                <a:ea typeface="宋体" panose="02010600030101010101" pitchFamily="2" charset="-122"/>
+              </a:defRPr>
+            </a:lvl8pPr>
+            <a:lvl9pPr marL="3886200" indent="-228600" eaLnBrk="0" fontAlgn="base" hangingPunct="0">
+              <a:spcBef>
+                <a:spcPct val="0"/>
+              </a:spcBef>
+              <a:spcAft>
+                <a:spcPct val="0"/>
+              </a:spcAft>
+              <a:buFont typeface="Arial" panose="020B0604020202020204" pitchFamily="34" charset="0"/>
+              <a:defRPr>
+                <a:solidFill>
+                  <a:schemeClr val="tx1"/>
+                </a:solidFill>
+                <a:latin typeface="Arial" panose="020B0604020202020204" pitchFamily="34" charset="0"/>
+                <a:ea typeface="宋体" panose="02010600030101010101" pitchFamily="2" charset="-122"/>
+              </a:defRPr>
+            </a:lvl9pPr>
+          </a:lstStyle>
+          <a:p>
+            <a:pPr algn="ctr" eaLnBrk="1" hangingPunct="1"/>
+            <a:endParaRPr lang="zh-CN" altLang="zh-CN">
+              <a:solidFill>
+                <a:srgbClr val="FFFFFF"/>
+              </a:solidFill>
+              <a:latin typeface="宋体" panose="02010600030101010101" pitchFamily="2" charset="-122"/>
+              <a:sym typeface="宋体" panose="02010600030101010101" pitchFamily="2" charset="-122"/>
+            </a:endParaRPr>
+          </a:p>
+        </p:txBody>
+      </p:sp>
       <p:pic>
         <p:nvPicPr>
-          <p:cNvPr id="8199" name="Picture 2">
+          <p:cNvPr id="9" name="图片 8">
             <a:extLst>
               <a:ext uri="{FF2B5EF4-FFF2-40B4-BE49-F238E27FC236}">
-                <a16:creationId xmlns:a16="http://schemas.microsoft.com/office/drawing/2014/main" id="{7138A236-EAA8-4EA2-B044-6E8ECF6046B7}"/>
+                <a16:creationId xmlns:a16="http://schemas.microsoft.com/office/drawing/2014/main" id="{20998B28-A189-4803-A242-B5394D19D896}"/>
               </a:ext>
             </a:extLst>
           </p:cNvPr>
           <p:cNvPicPr>
-            <a:picLocks noChangeAspect="1" noChangeArrowheads="1"/>
+            <a:picLocks noChangeAspect="1"/>
           </p:cNvPicPr>
           <p:nvPr/>
         </p:nvPicPr>
         <p:blipFill>
-          <a:blip r:embed="rId3">
+          <a:blip r:embed="rId2">
             <a:extLst>
               <a:ext uri="{28A0092B-C50C-407E-A947-70E740481C1C}">
                 <a14:useLocalDpi xmlns:a14="http://schemas.microsoft.com/office/drawing/2010/main" val="0"/>
               </a:ext>
             </a:extLst>
           </a:blip>
-          <a:srcRect/>
           <a:stretch>
             <a:fillRect/>
           </a:stretch>
         </p:blipFill>
-        <p:spPr bwMode="auto">
+        <p:spPr>
           <a:xfrm>
-            <a:off x="107950" y="123825"/>
-            <a:ext cx="1296988" cy="539750"/>
+            <a:off x="251641" y="267559"/>
+            <a:ext cx="3379278" cy="4173683"/>
           </a:xfrm>
           <a:prstGeom prst="rect">
             <a:avLst/>
           </a:prstGeom>
-          <a:noFill/>
-          <a:ln>
-            <a:noFill/>
-          </a:ln>
-          <a:effectLst/>
-          <a:extLst>
-            <a:ext uri="{909E8E84-426E-40DD-AFC4-6F175D3DCCD1}">
-              <a14:hiddenFill xmlns:a14="http://schemas.microsoft.com/office/drawing/2010/main">
-                <a:solidFill>
-                  <a:srgbClr val="FFFFFF"/>
-                </a:solidFill>
-              </a14:hiddenFill>
-            </a:ext>
-            <a:ext uri="{91240B29-F687-4F45-9708-019B960494DF}">
-              <a14:hiddenLine xmlns:a14="http://schemas.microsoft.com/office/drawing/2010/main" w="9525">
-                <a:solidFill>
-                  <a:srgbClr val="000000"/>
-                </a:solidFill>
-                <a:miter lim="800000"/>
-                <a:headEnd/>
-                <a:tailEnd/>
-              </a14:hiddenLine>
-            </a:ext>
-            <a:ext uri="{AF507438-7753-43E0-B8FC-AC1667EBCBE1}">
-              <a14:hiddenEffects xmlns:a14="http://schemas.microsoft.com/office/drawing/2010/main">
-                <a:effectLst>
-                  <a:outerShdw dist="35921" dir="2700000" algn="ctr" rotWithShape="0">
-                    <a:srgbClr val="808080"/>
-                  </a:outerShdw>
-                </a:effectLst>
-              </a14:hiddenEffects>
-            </a:ext>
-          </a:extLst>
         </p:spPr>
       </p:pic>
+      <p:sp>
+        <p:nvSpPr>
+          <p:cNvPr id="10" name="矩形 9">
+            <a:extLst>
+              <a:ext uri="{FF2B5EF4-FFF2-40B4-BE49-F238E27FC236}">
+                <a16:creationId xmlns:a16="http://schemas.microsoft.com/office/drawing/2014/main" id="{786F9D3C-22E2-48DD-9EE6-2A4DB83E8E0C}"/>
+              </a:ext>
+            </a:extLst>
+          </p:cNvPr>
+          <p:cNvSpPr/>
+          <p:nvPr/>
+        </p:nvSpPr>
+        <p:spPr>
+          <a:xfrm>
+            <a:off x="6712629" y="4722628"/>
+            <a:ext cx="2431371" cy="369332"/>
+          </a:xfrm>
+          <a:prstGeom prst="rect">
+            <a:avLst/>
+          </a:prstGeom>
+        </p:spPr>
+        <p:txBody>
+          <a:bodyPr wrap="none">
+            <a:spAutoFit/>
+          </a:bodyPr>
+          <a:lstStyle/>
+          <a:p>
+            <a:r>
+              <a:rPr lang="en-US" altLang="zh-CN" dirty="0">
+                <a:solidFill>
+                  <a:srgbClr val="FFFFFF"/>
+                </a:solidFill>
+                <a:latin typeface="MicrosoftYaHei"/>
+              </a:rPr>
+              <a:t>GRAPHICS LABORATORY</a:t>
+            </a:r>
+            <a:endParaRPr lang="zh-CN" altLang="en-US" dirty="0"/>
+          </a:p>
+        </p:txBody>
+      </p:sp>
     </p:spTree>
+    <p:extLst>
+      <p:ext uri="{BB962C8B-B14F-4D97-AF65-F5344CB8AC3E}">
+        <p14:creationId xmlns:p14="http://schemas.microsoft.com/office/powerpoint/2010/main" val="2355723295"/>
+      </p:ext>
+    </p:extLst>
   </p:cSld>
   <p:clrMapOvr>
     <a:masterClrMapping/>
